--- a/Presentation1.pptx
+++ b/Presentation1.pptx
@@ -6,6 +6,7 @@
   </p:sldMasterIdLst>
   <p:sldIdLst>
     <p:sldId id="256" r:id="rId2"/>
+    <p:sldId id="257" r:id="rId3"/>
   </p:sldIdLst>
   <p:sldSz cx="12192000" cy="6858000"/>
   <p:notesSz cx="6858000" cy="9144000"/>
@@ -259,7 +260,7 @@
           <a:p>
             <a:fld id="{6B255CAC-6785-408F-8F54-9AEB1D83D7DC}" type="datetimeFigureOut">
               <a:rPr lang="en-US" smtClean="0"/>
-              <a:t>11/19/2019</a:t>
+              <a:t>7/8/2021</a:t>
             </a:fld>
             <a:endParaRPr lang="en-US"/>
           </a:p>
@@ -457,7 +458,7 @@
           <a:p>
             <a:fld id="{6B255CAC-6785-408F-8F54-9AEB1D83D7DC}" type="datetimeFigureOut">
               <a:rPr lang="en-US" smtClean="0"/>
-              <a:t>11/19/2019</a:t>
+              <a:t>7/8/2021</a:t>
             </a:fld>
             <a:endParaRPr lang="en-US"/>
           </a:p>
@@ -665,7 +666,7 @@
           <a:p>
             <a:fld id="{6B255CAC-6785-408F-8F54-9AEB1D83D7DC}" type="datetimeFigureOut">
               <a:rPr lang="en-US" smtClean="0"/>
-              <a:t>11/19/2019</a:t>
+              <a:t>7/8/2021</a:t>
             </a:fld>
             <a:endParaRPr lang="en-US"/>
           </a:p>
@@ -863,7 +864,7 @@
           <a:p>
             <a:fld id="{6B255CAC-6785-408F-8F54-9AEB1D83D7DC}" type="datetimeFigureOut">
               <a:rPr lang="en-US" smtClean="0"/>
-              <a:t>11/19/2019</a:t>
+              <a:t>7/8/2021</a:t>
             </a:fld>
             <a:endParaRPr lang="en-US"/>
           </a:p>
@@ -1138,7 +1139,7 @@
           <a:p>
             <a:fld id="{6B255CAC-6785-408F-8F54-9AEB1D83D7DC}" type="datetimeFigureOut">
               <a:rPr lang="en-US" smtClean="0"/>
-              <a:t>11/19/2019</a:t>
+              <a:t>7/8/2021</a:t>
             </a:fld>
             <a:endParaRPr lang="en-US"/>
           </a:p>
@@ -1403,7 +1404,7 @@
           <a:p>
             <a:fld id="{6B255CAC-6785-408F-8F54-9AEB1D83D7DC}" type="datetimeFigureOut">
               <a:rPr lang="en-US" smtClean="0"/>
-              <a:t>11/19/2019</a:t>
+              <a:t>7/8/2021</a:t>
             </a:fld>
             <a:endParaRPr lang="en-US"/>
           </a:p>
@@ -1815,7 +1816,7 @@
           <a:p>
             <a:fld id="{6B255CAC-6785-408F-8F54-9AEB1D83D7DC}" type="datetimeFigureOut">
               <a:rPr lang="en-US" smtClean="0"/>
-              <a:t>11/19/2019</a:t>
+              <a:t>7/8/2021</a:t>
             </a:fld>
             <a:endParaRPr lang="en-US"/>
           </a:p>
@@ -1956,7 +1957,7 @@
           <a:p>
             <a:fld id="{6B255CAC-6785-408F-8F54-9AEB1D83D7DC}" type="datetimeFigureOut">
               <a:rPr lang="en-US" smtClean="0"/>
-              <a:t>11/19/2019</a:t>
+              <a:t>7/8/2021</a:t>
             </a:fld>
             <a:endParaRPr lang="en-US"/>
           </a:p>
@@ -2069,7 +2070,7 @@
           <a:p>
             <a:fld id="{6B255CAC-6785-408F-8F54-9AEB1D83D7DC}" type="datetimeFigureOut">
               <a:rPr lang="en-US" smtClean="0"/>
-              <a:t>11/19/2019</a:t>
+              <a:t>7/8/2021</a:t>
             </a:fld>
             <a:endParaRPr lang="en-US"/>
           </a:p>
@@ -2380,7 +2381,7 @@
           <a:p>
             <a:fld id="{6B255CAC-6785-408F-8F54-9AEB1D83D7DC}" type="datetimeFigureOut">
               <a:rPr lang="en-US" smtClean="0"/>
-              <a:t>11/19/2019</a:t>
+              <a:t>7/8/2021</a:t>
             </a:fld>
             <a:endParaRPr lang="en-US"/>
           </a:p>
@@ -2668,7 +2669,7 @@
           <a:p>
             <a:fld id="{6B255CAC-6785-408F-8F54-9AEB1D83D7DC}" type="datetimeFigureOut">
               <a:rPr lang="en-US" smtClean="0"/>
-              <a:t>11/19/2019</a:t>
+              <a:t>7/8/2021</a:t>
             </a:fld>
             <a:endParaRPr lang="en-US"/>
           </a:p>
@@ -2909,7 +2910,7 @@
           <a:p>
             <a:fld id="{6B255CAC-6785-408F-8F54-9AEB1D83D7DC}" type="datetimeFigureOut">
               <a:rPr lang="en-US" smtClean="0"/>
-              <a:t>11/19/2019</a:t>
+              <a:t>7/8/2021</a:t>
             </a:fld>
             <a:endParaRPr lang="en-US"/>
           </a:p>
@@ -3469,6 +3470,116 @@
 </p:sld>
 </file>
 
+<file path=ppt/slides/slide2.xml><?xml version="1.0" encoding="utf-8"?>
+<p:sld xmlns:a="http://schemas.openxmlformats.org/drawingml/2006/main" xmlns:r="http://schemas.openxmlformats.org/officeDocument/2006/relationships" xmlns:p="http://schemas.openxmlformats.org/presentationml/2006/main">
+  <p:cSld>
+    <p:spTree>
+      <p:nvGrpSpPr>
+        <p:cNvPr id="1" name=""/>
+        <p:cNvGrpSpPr/>
+        <p:nvPr/>
+      </p:nvGrpSpPr>
+      <p:grpSpPr>
+        <a:xfrm>
+          <a:off x="0" y="0"/>
+          <a:ext cx="0" cy="0"/>
+          <a:chOff x="0" y="0"/>
+          <a:chExt cx="0" cy="0"/>
+        </a:xfrm>
+      </p:grpSpPr>
+      <p:sp>
+        <p:nvSpPr>
+          <p:cNvPr id="4" name="Rectangle 3">
+            <a:extLst>
+              <a:ext uri="{FF2B5EF4-FFF2-40B4-BE49-F238E27FC236}">
+                <a16:creationId xmlns:a16="http://schemas.microsoft.com/office/drawing/2014/main" id="{6E76A34C-5EBD-4968-A4B3-E22A59CCFA19}"/>
+              </a:ext>
+            </a:extLst>
+          </p:cNvPr>
+          <p:cNvSpPr/>
+          <p:nvPr/>
+        </p:nvSpPr>
+        <p:spPr>
+          <a:xfrm>
+            <a:off x="2597465" y="1662410"/>
+            <a:ext cx="1872628" cy="3770263"/>
+          </a:xfrm>
+          <a:prstGeom prst="rect">
+            <a:avLst/>
+          </a:prstGeom>
+          <a:noFill/>
+        </p:spPr>
+        <p:txBody>
+          <a:bodyPr wrap="none" lIns="91440" tIns="45720" rIns="91440" bIns="45720">
+            <a:spAutoFit/>
+          </a:bodyPr>
+          <a:lstStyle/>
+          <a:p>
+            <a:pPr algn="ctr"/>
+            <a:r>
+              <a:rPr lang="en-US" sz="11500" b="1" cap="none" spc="0" dirty="0">
+                <a:ln w="0"/>
+                <a:solidFill>
+                  <a:schemeClr val="tx1"/>
+                </a:solidFill>
+                <a:effectLst>
+                  <a:outerShdw blurRad="38100" dist="19050" dir="2700000" algn="tl" rotWithShape="0">
+                    <a:schemeClr val="dk1">
+                      <a:alpha val="40000"/>
+                    </a:schemeClr>
+                  </a:outerShdw>
+                </a:effectLst>
+                <a:latin typeface="Rage Italic" panose="03070502040507070304" pitchFamily="66" charset="0"/>
+              </a:rPr>
+              <a:t>S</a:t>
+            </a:r>
+            <a:r>
+              <a:rPr lang="en-US" sz="23900" b="1" cap="none" spc="0" dirty="0">
+                <a:ln w="0"/>
+                <a:solidFill>
+                  <a:srgbClr val="FF0000"/>
+                </a:solidFill>
+                <a:effectLst>
+                  <a:outerShdw blurRad="38100" dist="19050" dir="2700000" algn="tl" rotWithShape="0">
+                    <a:schemeClr val="dk1">
+                      <a:alpha val="40000"/>
+                    </a:schemeClr>
+                  </a:outerShdw>
+                </a:effectLst>
+                <a:latin typeface="Rage Italic" panose="03070502040507070304" pitchFamily="66" charset="0"/>
+              </a:rPr>
+              <a:t>.</a:t>
+            </a:r>
+            <a:endParaRPr lang="en-US" sz="11500" b="1" cap="none" spc="0" dirty="0">
+              <a:ln w="0"/>
+              <a:solidFill>
+                <a:srgbClr val="FF0000"/>
+              </a:solidFill>
+              <a:effectLst>
+                <a:outerShdw blurRad="38100" dist="19050" dir="2700000" algn="tl" rotWithShape="0">
+                  <a:schemeClr val="dk1">
+                    <a:alpha val="40000"/>
+                  </a:schemeClr>
+                </a:outerShdw>
+              </a:effectLst>
+              <a:latin typeface="Rage Italic" panose="03070502040507070304" pitchFamily="66" charset="0"/>
+            </a:endParaRPr>
+          </a:p>
+        </p:txBody>
+      </p:sp>
+    </p:spTree>
+    <p:extLst>
+      <p:ext uri="{BB962C8B-B14F-4D97-AF65-F5344CB8AC3E}">
+        <p14:creationId xmlns:p14="http://schemas.microsoft.com/office/powerpoint/2010/main" val="1967502171"/>
+      </p:ext>
+    </p:extLst>
+  </p:cSld>
+  <p:clrMapOvr>
+    <a:masterClrMapping/>
+  </p:clrMapOvr>
+</p:sld>
+</file>
+
 <file path=ppt/theme/theme1.xml><?xml version="1.0" encoding="utf-8"?>
 <a:theme xmlns:a="http://schemas.openxmlformats.org/drawingml/2006/main" name="Office Theme">
   <a:themeElements>

--- a/Presentation1.pptx
+++ b/Presentation1.pptx
@@ -113,6 +113,18 @@
 </p:presentation>
 </file>
 
+<file path=ppt/commentAuthors.xml><?xml version="1.0" encoding="utf-8"?>
+<p:cmAuthorLst xmlns:a="http://schemas.openxmlformats.org/drawingml/2006/main" xmlns:r="http://schemas.openxmlformats.org/officeDocument/2006/relationships" xmlns:p="http://schemas.openxmlformats.org/presentationml/2006/main">
+  <p:cmAuthor id="1" name="Kaveti, Satya" initials="KS" lastIdx="1" clrIdx="0">
+    <p:extLst>
+      <p:ext uri="{19B8F6BF-5375-455C-9EA6-DF929625EA0E}">
+        <p15:presenceInfo xmlns:p15="http://schemas.microsoft.com/office/powerpoint/2012/main" userId="S::Satya.Kaveti@parexel.com::226849cc-afac-48f0-9bd5-567c81e41088" providerId="AD"/>
+      </p:ext>
+    </p:extLst>
+  </p:cmAuthor>
+</p:cmAuthorLst>
+</file>
+
 <file path=ppt/slideLayouts/slideLayout1.xml><?xml version="1.0" encoding="utf-8"?>
 <p:sldLayout xmlns:a="http://schemas.openxmlformats.org/drawingml/2006/main" xmlns:r="http://schemas.openxmlformats.org/officeDocument/2006/relationships" xmlns:p="http://schemas.openxmlformats.org/presentationml/2006/main" type="title" preserve="1">
   <p:cSld name="Title Slide">
@@ -135,7 +147,7 @@
           <p:cNvPr id="2" name="Title 1">
             <a:extLst>
               <a:ext uri="{FF2B5EF4-FFF2-40B4-BE49-F238E27FC236}">
-                <a16:creationId xmlns:a16="http://schemas.microsoft.com/office/drawing/2014/main" id="{7BAAB731-2CF3-4193-B19E-35C9613F1F71}"/>
+                <a16:creationId xmlns:a16="http://schemas.microsoft.com/office/drawing/2014/main" id="{F4EA404D-4779-48E9-BD30-A93EE9D4BDA3}"/>
               </a:ext>
             </a:extLst>
           </p:cNvPr>
@@ -172,7 +184,7 @@
           <p:cNvPr id="3" name="Subtitle 2">
             <a:extLst>
               <a:ext uri="{FF2B5EF4-FFF2-40B4-BE49-F238E27FC236}">
-                <a16:creationId xmlns:a16="http://schemas.microsoft.com/office/drawing/2014/main" id="{4BA785C4-69BB-4F33-9678-13876083FE47}"/>
+                <a16:creationId xmlns:a16="http://schemas.microsoft.com/office/drawing/2014/main" id="{57413D88-617C-4C60-B7C0-F9D5DE93FCC6}"/>
               </a:ext>
             </a:extLst>
           </p:cNvPr>
@@ -242,7 +254,7 @@
           <p:cNvPr id="4" name="Date Placeholder 3">
             <a:extLst>
               <a:ext uri="{FF2B5EF4-FFF2-40B4-BE49-F238E27FC236}">
-                <a16:creationId xmlns:a16="http://schemas.microsoft.com/office/drawing/2014/main" id="{C25CC331-A602-41A0-BD44-9AC95B23270E}"/>
+                <a16:creationId xmlns:a16="http://schemas.microsoft.com/office/drawing/2014/main" id="{DB977E5A-7D44-493A-BBE8-FDAA35A5F242}"/>
               </a:ext>
             </a:extLst>
           </p:cNvPr>
@@ -258,9 +270,9 @@
           <a:bodyPr/>
           <a:lstStyle/>
           <a:p>
-            <a:fld id="{6B255CAC-6785-408F-8F54-9AEB1D83D7DC}" type="datetimeFigureOut">
+            <a:fld id="{B641BB01-87BF-4618-B7B5-E88AF940C963}" type="datetimeFigureOut">
               <a:rPr lang="en-US" smtClean="0"/>
-              <a:t>7/8/2021</a:t>
+              <a:t>7/30/2021</a:t>
             </a:fld>
             <a:endParaRPr lang="en-US"/>
           </a:p>
@@ -271,7 +283,7 @@
           <p:cNvPr id="5" name="Footer Placeholder 4">
             <a:extLst>
               <a:ext uri="{FF2B5EF4-FFF2-40B4-BE49-F238E27FC236}">
-                <a16:creationId xmlns:a16="http://schemas.microsoft.com/office/drawing/2014/main" id="{B30C2B73-8C66-4707-8DE1-B6F4641E9FD2}"/>
+                <a16:creationId xmlns:a16="http://schemas.microsoft.com/office/drawing/2014/main" id="{05D1EB56-B6A6-4C6A-8E0D-71552E4D7C75}"/>
               </a:ext>
             </a:extLst>
           </p:cNvPr>
@@ -296,7 +308,7 @@
           <p:cNvPr id="6" name="Slide Number Placeholder 5">
             <a:extLst>
               <a:ext uri="{FF2B5EF4-FFF2-40B4-BE49-F238E27FC236}">
-                <a16:creationId xmlns:a16="http://schemas.microsoft.com/office/drawing/2014/main" id="{D01A97B7-0C64-41A7-A46E-1AF08D6F0C74}"/>
+                <a16:creationId xmlns:a16="http://schemas.microsoft.com/office/drawing/2014/main" id="{88B7E0AE-2902-4AFB-98F5-9CBC3B91830C}"/>
               </a:ext>
             </a:extLst>
           </p:cNvPr>
@@ -312,7 +324,7 @@
           <a:bodyPr/>
           <a:lstStyle/>
           <a:p>
-            <a:fld id="{330E3274-5E81-4766-AF7C-0D3F20C6DDCD}" type="slidenum">
+            <a:fld id="{7D44C575-D9F7-4A2A-8DA7-B0C5CF203ED3}" type="slidenum">
               <a:rPr lang="en-US" smtClean="0"/>
               <a:t>‹#›</a:t>
             </a:fld>
@@ -323,7 +335,7 @@
     </p:spTree>
     <p:extLst>
       <p:ext uri="{BB962C8B-B14F-4D97-AF65-F5344CB8AC3E}">
-        <p14:creationId xmlns:p14="http://schemas.microsoft.com/office/powerpoint/2010/main" val="4194184035"/>
+        <p14:creationId xmlns:p14="http://schemas.microsoft.com/office/powerpoint/2010/main" val="1720610673"/>
       </p:ext>
     </p:extLst>
   </p:cSld>
@@ -355,7 +367,7 @@
           <p:cNvPr id="2" name="Title 1">
             <a:extLst>
               <a:ext uri="{FF2B5EF4-FFF2-40B4-BE49-F238E27FC236}">
-                <a16:creationId xmlns:a16="http://schemas.microsoft.com/office/drawing/2014/main" id="{8AFF9289-F125-48C5-AB10-E54BFC8BA5BD}"/>
+                <a16:creationId xmlns:a16="http://schemas.microsoft.com/office/drawing/2014/main" id="{B717355E-7D6A-4A7C-9F32-297BBA232D3F}"/>
               </a:ext>
             </a:extLst>
           </p:cNvPr>
@@ -383,7 +395,7 @@
           <p:cNvPr id="3" name="Vertical Text Placeholder 2">
             <a:extLst>
               <a:ext uri="{FF2B5EF4-FFF2-40B4-BE49-F238E27FC236}">
-                <a16:creationId xmlns:a16="http://schemas.microsoft.com/office/drawing/2014/main" id="{CCD025DD-D025-4436-B946-9373C43688A6}"/>
+                <a16:creationId xmlns:a16="http://schemas.microsoft.com/office/drawing/2014/main" id="{995725EE-F2BE-4259-9038-5DF2B5D74DFA}"/>
               </a:ext>
             </a:extLst>
           </p:cNvPr>
@@ -440,7 +452,7 @@
           <p:cNvPr id="4" name="Date Placeholder 3">
             <a:extLst>
               <a:ext uri="{FF2B5EF4-FFF2-40B4-BE49-F238E27FC236}">
-                <a16:creationId xmlns:a16="http://schemas.microsoft.com/office/drawing/2014/main" id="{68734FF6-2E5E-40ED-844A-22E8E4487ADE}"/>
+                <a16:creationId xmlns:a16="http://schemas.microsoft.com/office/drawing/2014/main" id="{7706B095-D9F1-44A2-8133-F04943D60144}"/>
               </a:ext>
             </a:extLst>
           </p:cNvPr>
@@ -456,9 +468,9 @@
           <a:bodyPr/>
           <a:lstStyle/>
           <a:p>
-            <a:fld id="{6B255CAC-6785-408F-8F54-9AEB1D83D7DC}" type="datetimeFigureOut">
+            <a:fld id="{B641BB01-87BF-4618-B7B5-E88AF940C963}" type="datetimeFigureOut">
               <a:rPr lang="en-US" smtClean="0"/>
-              <a:t>7/8/2021</a:t>
+              <a:t>7/30/2021</a:t>
             </a:fld>
             <a:endParaRPr lang="en-US"/>
           </a:p>
@@ -469,7 +481,7 @@
           <p:cNvPr id="5" name="Footer Placeholder 4">
             <a:extLst>
               <a:ext uri="{FF2B5EF4-FFF2-40B4-BE49-F238E27FC236}">
-                <a16:creationId xmlns:a16="http://schemas.microsoft.com/office/drawing/2014/main" id="{43EC146D-0CFF-4DBA-98FA-C6B206674030}"/>
+                <a16:creationId xmlns:a16="http://schemas.microsoft.com/office/drawing/2014/main" id="{BAD31E59-0F0C-4BEA-936A-DBD23C590389}"/>
               </a:ext>
             </a:extLst>
           </p:cNvPr>
@@ -494,7 +506,7 @@
           <p:cNvPr id="6" name="Slide Number Placeholder 5">
             <a:extLst>
               <a:ext uri="{FF2B5EF4-FFF2-40B4-BE49-F238E27FC236}">
-                <a16:creationId xmlns:a16="http://schemas.microsoft.com/office/drawing/2014/main" id="{74A299FF-4BF7-4651-B086-9E975869D5D4}"/>
+                <a16:creationId xmlns:a16="http://schemas.microsoft.com/office/drawing/2014/main" id="{5CF04F25-D1C6-47E1-8C9A-3AD3DCAA3899}"/>
               </a:ext>
             </a:extLst>
           </p:cNvPr>
@@ -510,7 +522,7 @@
           <a:bodyPr/>
           <a:lstStyle/>
           <a:p>
-            <a:fld id="{330E3274-5E81-4766-AF7C-0D3F20C6DDCD}" type="slidenum">
+            <a:fld id="{7D44C575-D9F7-4A2A-8DA7-B0C5CF203ED3}" type="slidenum">
               <a:rPr lang="en-US" smtClean="0"/>
               <a:t>‹#›</a:t>
             </a:fld>
@@ -521,7 +533,7 @@
     </p:spTree>
     <p:extLst>
       <p:ext uri="{BB962C8B-B14F-4D97-AF65-F5344CB8AC3E}">
-        <p14:creationId xmlns:p14="http://schemas.microsoft.com/office/powerpoint/2010/main" val="4188543741"/>
+        <p14:creationId xmlns:p14="http://schemas.microsoft.com/office/powerpoint/2010/main" val="2828289105"/>
       </p:ext>
     </p:extLst>
   </p:cSld>
@@ -553,7 +565,7 @@
           <p:cNvPr id="2" name="Vertical Title 1">
             <a:extLst>
               <a:ext uri="{FF2B5EF4-FFF2-40B4-BE49-F238E27FC236}">
-                <a16:creationId xmlns:a16="http://schemas.microsoft.com/office/drawing/2014/main" id="{2017C816-6B82-43BE-BC8E-DC2444FB1332}"/>
+                <a16:creationId xmlns:a16="http://schemas.microsoft.com/office/drawing/2014/main" id="{D1FFA96A-BFF5-4962-BFC3-02B2B8341924}"/>
               </a:ext>
             </a:extLst>
           </p:cNvPr>
@@ -586,7 +598,7 @@
           <p:cNvPr id="3" name="Vertical Text Placeholder 2">
             <a:extLst>
               <a:ext uri="{FF2B5EF4-FFF2-40B4-BE49-F238E27FC236}">
-                <a16:creationId xmlns:a16="http://schemas.microsoft.com/office/drawing/2014/main" id="{3BAEEBAA-5B8A-414E-AB14-1E28D05597F5}"/>
+                <a16:creationId xmlns:a16="http://schemas.microsoft.com/office/drawing/2014/main" id="{908CAFBF-855D-4A7D-A666-D073BC0B4617}"/>
               </a:ext>
             </a:extLst>
           </p:cNvPr>
@@ -648,7 +660,7 @@
           <p:cNvPr id="4" name="Date Placeholder 3">
             <a:extLst>
               <a:ext uri="{FF2B5EF4-FFF2-40B4-BE49-F238E27FC236}">
-                <a16:creationId xmlns:a16="http://schemas.microsoft.com/office/drawing/2014/main" id="{36FD80D7-8CE3-4178-B9A0-92360E1DB5FB}"/>
+                <a16:creationId xmlns:a16="http://schemas.microsoft.com/office/drawing/2014/main" id="{A75EAA09-EF87-4FE9-9961-6E6687D9F9CD}"/>
               </a:ext>
             </a:extLst>
           </p:cNvPr>
@@ -664,9 +676,9 @@
           <a:bodyPr/>
           <a:lstStyle/>
           <a:p>
-            <a:fld id="{6B255CAC-6785-408F-8F54-9AEB1D83D7DC}" type="datetimeFigureOut">
+            <a:fld id="{B641BB01-87BF-4618-B7B5-E88AF940C963}" type="datetimeFigureOut">
               <a:rPr lang="en-US" smtClean="0"/>
-              <a:t>7/8/2021</a:t>
+              <a:t>7/30/2021</a:t>
             </a:fld>
             <a:endParaRPr lang="en-US"/>
           </a:p>
@@ -677,7 +689,7 @@
           <p:cNvPr id="5" name="Footer Placeholder 4">
             <a:extLst>
               <a:ext uri="{FF2B5EF4-FFF2-40B4-BE49-F238E27FC236}">
-                <a16:creationId xmlns:a16="http://schemas.microsoft.com/office/drawing/2014/main" id="{CED6FC5B-6CFE-4EB4-A13E-19C310B48833}"/>
+                <a16:creationId xmlns:a16="http://schemas.microsoft.com/office/drawing/2014/main" id="{7C17F015-F71B-44C4-8E87-7628BAC25548}"/>
               </a:ext>
             </a:extLst>
           </p:cNvPr>
@@ -702,7 +714,7 @@
           <p:cNvPr id="6" name="Slide Number Placeholder 5">
             <a:extLst>
               <a:ext uri="{FF2B5EF4-FFF2-40B4-BE49-F238E27FC236}">
-                <a16:creationId xmlns:a16="http://schemas.microsoft.com/office/drawing/2014/main" id="{CB9D9113-B314-40F8-BCB3-A4643DE824A0}"/>
+                <a16:creationId xmlns:a16="http://schemas.microsoft.com/office/drawing/2014/main" id="{5B962224-E346-4088-B2CE-28A6192140FA}"/>
               </a:ext>
             </a:extLst>
           </p:cNvPr>
@@ -718,7 +730,7 @@
           <a:bodyPr/>
           <a:lstStyle/>
           <a:p>
-            <a:fld id="{330E3274-5E81-4766-AF7C-0D3F20C6DDCD}" type="slidenum">
+            <a:fld id="{7D44C575-D9F7-4A2A-8DA7-B0C5CF203ED3}" type="slidenum">
               <a:rPr lang="en-US" smtClean="0"/>
               <a:t>‹#›</a:t>
             </a:fld>
@@ -729,7 +741,7 @@
     </p:spTree>
     <p:extLst>
       <p:ext uri="{BB962C8B-B14F-4D97-AF65-F5344CB8AC3E}">
-        <p14:creationId xmlns:p14="http://schemas.microsoft.com/office/powerpoint/2010/main" val="1723100789"/>
+        <p14:creationId xmlns:p14="http://schemas.microsoft.com/office/powerpoint/2010/main" val="1781282954"/>
       </p:ext>
     </p:extLst>
   </p:cSld>
@@ -761,7 +773,7 @@
           <p:cNvPr id="2" name="Title 1">
             <a:extLst>
               <a:ext uri="{FF2B5EF4-FFF2-40B4-BE49-F238E27FC236}">
-                <a16:creationId xmlns:a16="http://schemas.microsoft.com/office/drawing/2014/main" id="{FA01CFDA-8BD2-4CD1-8267-9A954218D389}"/>
+                <a16:creationId xmlns:a16="http://schemas.microsoft.com/office/drawing/2014/main" id="{5891D589-E812-48F9-B2CE-833DDC5A09AD}"/>
               </a:ext>
             </a:extLst>
           </p:cNvPr>
@@ -789,7 +801,7 @@
           <p:cNvPr id="3" name="Content Placeholder 2">
             <a:extLst>
               <a:ext uri="{FF2B5EF4-FFF2-40B4-BE49-F238E27FC236}">
-                <a16:creationId xmlns:a16="http://schemas.microsoft.com/office/drawing/2014/main" id="{38FE937F-660B-4441-BC0D-58CF9B3BDAF9}"/>
+                <a16:creationId xmlns:a16="http://schemas.microsoft.com/office/drawing/2014/main" id="{57F3A6EF-D633-4E8D-9710-DDF26B03E0F6}"/>
               </a:ext>
             </a:extLst>
           </p:cNvPr>
@@ -846,7 +858,7 @@
           <p:cNvPr id="4" name="Date Placeholder 3">
             <a:extLst>
               <a:ext uri="{FF2B5EF4-FFF2-40B4-BE49-F238E27FC236}">
-                <a16:creationId xmlns:a16="http://schemas.microsoft.com/office/drawing/2014/main" id="{09800CC2-A2BB-40E6-9802-19A00D77A769}"/>
+                <a16:creationId xmlns:a16="http://schemas.microsoft.com/office/drawing/2014/main" id="{C1E31CEA-BBCE-4A6E-A70C-6667436AC560}"/>
               </a:ext>
             </a:extLst>
           </p:cNvPr>
@@ -862,9 +874,9 @@
           <a:bodyPr/>
           <a:lstStyle/>
           <a:p>
-            <a:fld id="{6B255CAC-6785-408F-8F54-9AEB1D83D7DC}" type="datetimeFigureOut">
+            <a:fld id="{B641BB01-87BF-4618-B7B5-E88AF940C963}" type="datetimeFigureOut">
               <a:rPr lang="en-US" smtClean="0"/>
-              <a:t>7/8/2021</a:t>
+              <a:t>7/30/2021</a:t>
             </a:fld>
             <a:endParaRPr lang="en-US"/>
           </a:p>
@@ -875,7 +887,7 @@
           <p:cNvPr id="5" name="Footer Placeholder 4">
             <a:extLst>
               <a:ext uri="{FF2B5EF4-FFF2-40B4-BE49-F238E27FC236}">
-                <a16:creationId xmlns:a16="http://schemas.microsoft.com/office/drawing/2014/main" id="{43E4149F-31B5-4630-B3E0-422C04397353}"/>
+                <a16:creationId xmlns:a16="http://schemas.microsoft.com/office/drawing/2014/main" id="{CFB6225E-C957-4233-9659-42E98D0DA479}"/>
               </a:ext>
             </a:extLst>
           </p:cNvPr>
@@ -900,7 +912,7 @@
           <p:cNvPr id="6" name="Slide Number Placeholder 5">
             <a:extLst>
               <a:ext uri="{FF2B5EF4-FFF2-40B4-BE49-F238E27FC236}">
-                <a16:creationId xmlns:a16="http://schemas.microsoft.com/office/drawing/2014/main" id="{60CF1C25-6D60-4538-8D95-39399623B0C1}"/>
+                <a16:creationId xmlns:a16="http://schemas.microsoft.com/office/drawing/2014/main" id="{A3F3EBCC-BDA2-4323-B020-616B79C3C8BD}"/>
               </a:ext>
             </a:extLst>
           </p:cNvPr>
@@ -916,7 +928,7 @@
           <a:bodyPr/>
           <a:lstStyle/>
           <a:p>
-            <a:fld id="{330E3274-5E81-4766-AF7C-0D3F20C6DDCD}" type="slidenum">
+            <a:fld id="{7D44C575-D9F7-4A2A-8DA7-B0C5CF203ED3}" type="slidenum">
               <a:rPr lang="en-US" smtClean="0"/>
               <a:t>‹#›</a:t>
             </a:fld>
@@ -927,7 +939,7 @@
     </p:spTree>
     <p:extLst>
       <p:ext uri="{BB962C8B-B14F-4D97-AF65-F5344CB8AC3E}">
-        <p14:creationId xmlns:p14="http://schemas.microsoft.com/office/powerpoint/2010/main" val="4203413515"/>
+        <p14:creationId xmlns:p14="http://schemas.microsoft.com/office/powerpoint/2010/main" val="519017444"/>
       </p:ext>
     </p:extLst>
   </p:cSld>
@@ -959,7 +971,7 @@
           <p:cNvPr id="2" name="Title 1">
             <a:extLst>
               <a:ext uri="{FF2B5EF4-FFF2-40B4-BE49-F238E27FC236}">
-                <a16:creationId xmlns:a16="http://schemas.microsoft.com/office/drawing/2014/main" id="{5A104FD4-B90A-41F1-ABC7-68F603AAC066}"/>
+                <a16:creationId xmlns:a16="http://schemas.microsoft.com/office/drawing/2014/main" id="{60E63865-7DED-4BB2-A1F1-CD7DFE6BD17E}"/>
               </a:ext>
             </a:extLst>
           </p:cNvPr>
@@ -996,7 +1008,7 @@
           <p:cNvPr id="3" name="Text Placeholder 2">
             <a:extLst>
               <a:ext uri="{FF2B5EF4-FFF2-40B4-BE49-F238E27FC236}">
-                <a16:creationId xmlns:a16="http://schemas.microsoft.com/office/drawing/2014/main" id="{CB975805-D29B-4D37-A562-EA54A46524CA}"/>
+                <a16:creationId xmlns:a16="http://schemas.microsoft.com/office/drawing/2014/main" id="{C80F0152-B584-46E3-BD33-13AE3EC40224}"/>
               </a:ext>
             </a:extLst>
           </p:cNvPr>
@@ -1121,7 +1133,7 @@
           <p:cNvPr id="4" name="Date Placeholder 3">
             <a:extLst>
               <a:ext uri="{FF2B5EF4-FFF2-40B4-BE49-F238E27FC236}">
-                <a16:creationId xmlns:a16="http://schemas.microsoft.com/office/drawing/2014/main" id="{CCEBFEB6-D74F-4E0E-9032-15E6B8D81605}"/>
+                <a16:creationId xmlns:a16="http://schemas.microsoft.com/office/drawing/2014/main" id="{46CB000D-8AA2-49E7-AC0C-591F949C2247}"/>
               </a:ext>
             </a:extLst>
           </p:cNvPr>
@@ -1137,9 +1149,9 @@
           <a:bodyPr/>
           <a:lstStyle/>
           <a:p>
-            <a:fld id="{6B255CAC-6785-408F-8F54-9AEB1D83D7DC}" type="datetimeFigureOut">
+            <a:fld id="{B641BB01-87BF-4618-B7B5-E88AF940C963}" type="datetimeFigureOut">
               <a:rPr lang="en-US" smtClean="0"/>
-              <a:t>7/8/2021</a:t>
+              <a:t>7/30/2021</a:t>
             </a:fld>
             <a:endParaRPr lang="en-US"/>
           </a:p>
@@ -1150,7 +1162,7 @@
           <p:cNvPr id="5" name="Footer Placeholder 4">
             <a:extLst>
               <a:ext uri="{FF2B5EF4-FFF2-40B4-BE49-F238E27FC236}">
-                <a16:creationId xmlns:a16="http://schemas.microsoft.com/office/drawing/2014/main" id="{BDB19B8C-6B33-46BA-8558-EA9A952DF0E1}"/>
+                <a16:creationId xmlns:a16="http://schemas.microsoft.com/office/drawing/2014/main" id="{2A05EB36-CA5D-454F-B539-F83601CBCC85}"/>
               </a:ext>
             </a:extLst>
           </p:cNvPr>
@@ -1175,7 +1187,7 @@
           <p:cNvPr id="6" name="Slide Number Placeholder 5">
             <a:extLst>
               <a:ext uri="{FF2B5EF4-FFF2-40B4-BE49-F238E27FC236}">
-                <a16:creationId xmlns:a16="http://schemas.microsoft.com/office/drawing/2014/main" id="{1C1FB1B4-CCCE-449A-B866-548D4DB51428}"/>
+                <a16:creationId xmlns:a16="http://schemas.microsoft.com/office/drawing/2014/main" id="{C1AFA6ED-4D82-4E51-8178-A80405B1C797}"/>
               </a:ext>
             </a:extLst>
           </p:cNvPr>
@@ -1191,7 +1203,7 @@
           <a:bodyPr/>
           <a:lstStyle/>
           <a:p>
-            <a:fld id="{330E3274-5E81-4766-AF7C-0D3F20C6DDCD}" type="slidenum">
+            <a:fld id="{7D44C575-D9F7-4A2A-8DA7-B0C5CF203ED3}" type="slidenum">
               <a:rPr lang="en-US" smtClean="0"/>
               <a:t>‹#›</a:t>
             </a:fld>
@@ -1202,7 +1214,7 @@
     </p:spTree>
     <p:extLst>
       <p:ext uri="{BB962C8B-B14F-4D97-AF65-F5344CB8AC3E}">
-        <p14:creationId xmlns:p14="http://schemas.microsoft.com/office/powerpoint/2010/main" val="3932774756"/>
+        <p14:creationId xmlns:p14="http://schemas.microsoft.com/office/powerpoint/2010/main" val="2425399976"/>
       </p:ext>
     </p:extLst>
   </p:cSld>
@@ -1234,7 +1246,7 @@
           <p:cNvPr id="2" name="Title 1">
             <a:extLst>
               <a:ext uri="{FF2B5EF4-FFF2-40B4-BE49-F238E27FC236}">
-                <a16:creationId xmlns:a16="http://schemas.microsoft.com/office/drawing/2014/main" id="{A639ECC7-FC75-497F-85D8-60B9499911A3}"/>
+                <a16:creationId xmlns:a16="http://schemas.microsoft.com/office/drawing/2014/main" id="{29B625DD-7B3C-40CA-AD2D-52FC6AA1F2D8}"/>
               </a:ext>
             </a:extLst>
           </p:cNvPr>
@@ -1262,7 +1274,7 @@
           <p:cNvPr id="3" name="Content Placeholder 2">
             <a:extLst>
               <a:ext uri="{FF2B5EF4-FFF2-40B4-BE49-F238E27FC236}">
-                <a16:creationId xmlns:a16="http://schemas.microsoft.com/office/drawing/2014/main" id="{4C4B0FC3-1635-4F01-AAA0-41998C24AD56}"/>
+                <a16:creationId xmlns:a16="http://schemas.microsoft.com/office/drawing/2014/main" id="{102ED138-2696-465E-AF7E-2776DADBD967}"/>
               </a:ext>
             </a:extLst>
           </p:cNvPr>
@@ -1324,7 +1336,7 @@
           <p:cNvPr id="4" name="Content Placeholder 3">
             <a:extLst>
               <a:ext uri="{FF2B5EF4-FFF2-40B4-BE49-F238E27FC236}">
-                <a16:creationId xmlns:a16="http://schemas.microsoft.com/office/drawing/2014/main" id="{AEB1CF5C-6924-4EE0-8C26-8787AAA4831D}"/>
+                <a16:creationId xmlns:a16="http://schemas.microsoft.com/office/drawing/2014/main" id="{9F098FD6-0AC2-4904-8F0A-1242379FD077}"/>
               </a:ext>
             </a:extLst>
           </p:cNvPr>
@@ -1386,7 +1398,7 @@
           <p:cNvPr id="5" name="Date Placeholder 4">
             <a:extLst>
               <a:ext uri="{FF2B5EF4-FFF2-40B4-BE49-F238E27FC236}">
-                <a16:creationId xmlns:a16="http://schemas.microsoft.com/office/drawing/2014/main" id="{3CBECA5D-284B-4B2C-A629-FB408291D8ED}"/>
+                <a16:creationId xmlns:a16="http://schemas.microsoft.com/office/drawing/2014/main" id="{81B8EAAB-8417-4B7B-BFDD-A1B9C0D5880F}"/>
               </a:ext>
             </a:extLst>
           </p:cNvPr>
@@ -1402,9 +1414,9 @@
           <a:bodyPr/>
           <a:lstStyle/>
           <a:p>
-            <a:fld id="{6B255CAC-6785-408F-8F54-9AEB1D83D7DC}" type="datetimeFigureOut">
+            <a:fld id="{B641BB01-87BF-4618-B7B5-E88AF940C963}" type="datetimeFigureOut">
               <a:rPr lang="en-US" smtClean="0"/>
-              <a:t>7/8/2021</a:t>
+              <a:t>7/30/2021</a:t>
             </a:fld>
             <a:endParaRPr lang="en-US"/>
           </a:p>
@@ -1415,7 +1427,7 @@
           <p:cNvPr id="6" name="Footer Placeholder 5">
             <a:extLst>
               <a:ext uri="{FF2B5EF4-FFF2-40B4-BE49-F238E27FC236}">
-                <a16:creationId xmlns:a16="http://schemas.microsoft.com/office/drawing/2014/main" id="{BF2B2D61-E31B-41E0-8EF6-52FFAA361B13}"/>
+                <a16:creationId xmlns:a16="http://schemas.microsoft.com/office/drawing/2014/main" id="{F9BB45F9-3E07-4F54-A7E0-26F73B3A9103}"/>
               </a:ext>
             </a:extLst>
           </p:cNvPr>
@@ -1440,7 +1452,7 @@
           <p:cNvPr id="7" name="Slide Number Placeholder 6">
             <a:extLst>
               <a:ext uri="{FF2B5EF4-FFF2-40B4-BE49-F238E27FC236}">
-                <a16:creationId xmlns:a16="http://schemas.microsoft.com/office/drawing/2014/main" id="{9A3DFF5E-BC4C-41F7-B2AD-9A9765A4ACD3}"/>
+                <a16:creationId xmlns:a16="http://schemas.microsoft.com/office/drawing/2014/main" id="{E822ED8D-6689-4DA5-969F-FB91A678C803}"/>
               </a:ext>
             </a:extLst>
           </p:cNvPr>
@@ -1456,7 +1468,7 @@
           <a:bodyPr/>
           <a:lstStyle/>
           <a:p>
-            <a:fld id="{330E3274-5E81-4766-AF7C-0D3F20C6DDCD}" type="slidenum">
+            <a:fld id="{7D44C575-D9F7-4A2A-8DA7-B0C5CF203ED3}" type="slidenum">
               <a:rPr lang="en-US" smtClean="0"/>
               <a:t>‹#›</a:t>
             </a:fld>
@@ -1467,7 +1479,7 @@
     </p:spTree>
     <p:extLst>
       <p:ext uri="{BB962C8B-B14F-4D97-AF65-F5344CB8AC3E}">
-        <p14:creationId xmlns:p14="http://schemas.microsoft.com/office/powerpoint/2010/main" val="2515753686"/>
+        <p14:creationId xmlns:p14="http://schemas.microsoft.com/office/powerpoint/2010/main" val="813673383"/>
       </p:ext>
     </p:extLst>
   </p:cSld>
@@ -1499,7 +1511,7 @@
           <p:cNvPr id="2" name="Title 1">
             <a:extLst>
               <a:ext uri="{FF2B5EF4-FFF2-40B4-BE49-F238E27FC236}">
-                <a16:creationId xmlns:a16="http://schemas.microsoft.com/office/drawing/2014/main" id="{0BC7034A-E17D-4C81-A6EA-4E57E2DF74AD}"/>
+                <a16:creationId xmlns:a16="http://schemas.microsoft.com/office/drawing/2014/main" id="{FA642BB1-32EF-4F2F-9516-26F5862BF55D}"/>
               </a:ext>
             </a:extLst>
           </p:cNvPr>
@@ -1532,7 +1544,7 @@
           <p:cNvPr id="3" name="Text Placeholder 2">
             <a:extLst>
               <a:ext uri="{FF2B5EF4-FFF2-40B4-BE49-F238E27FC236}">
-                <a16:creationId xmlns:a16="http://schemas.microsoft.com/office/drawing/2014/main" id="{E6AE17BE-B08A-4529-B970-6CD1E95AFC01}"/>
+                <a16:creationId xmlns:a16="http://schemas.microsoft.com/office/drawing/2014/main" id="{632820BB-E5D6-4296-80A4-FF4B3DB5487D}"/>
               </a:ext>
             </a:extLst>
           </p:cNvPr>
@@ -1603,7 +1615,7 @@
           <p:cNvPr id="4" name="Content Placeholder 3">
             <a:extLst>
               <a:ext uri="{FF2B5EF4-FFF2-40B4-BE49-F238E27FC236}">
-                <a16:creationId xmlns:a16="http://schemas.microsoft.com/office/drawing/2014/main" id="{4DEA0EA7-CE09-4546-927C-AD93F8A13EDC}"/>
+                <a16:creationId xmlns:a16="http://schemas.microsoft.com/office/drawing/2014/main" id="{6F3E3A68-BBFE-4309-B37C-F6846800FA02}"/>
               </a:ext>
             </a:extLst>
           </p:cNvPr>
@@ -1665,7 +1677,7 @@
           <p:cNvPr id="5" name="Text Placeholder 4">
             <a:extLst>
               <a:ext uri="{FF2B5EF4-FFF2-40B4-BE49-F238E27FC236}">
-                <a16:creationId xmlns:a16="http://schemas.microsoft.com/office/drawing/2014/main" id="{7FEF659B-05FF-4A5A-94D9-AC1D1C869471}"/>
+                <a16:creationId xmlns:a16="http://schemas.microsoft.com/office/drawing/2014/main" id="{E86B01CB-2C35-454D-8185-BBAEBE00BAF1}"/>
               </a:ext>
             </a:extLst>
           </p:cNvPr>
@@ -1736,7 +1748,7 @@
           <p:cNvPr id="6" name="Content Placeholder 5">
             <a:extLst>
               <a:ext uri="{FF2B5EF4-FFF2-40B4-BE49-F238E27FC236}">
-                <a16:creationId xmlns:a16="http://schemas.microsoft.com/office/drawing/2014/main" id="{2D0D6C4E-F975-4210-A197-68B4B7CF8B76}"/>
+                <a16:creationId xmlns:a16="http://schemas.microsoft.com/office/drawing/2014/main" id="{D3A37E38-2825-4AAC-BFFF-B276A8CBDF3F}"/>
               </a:ext>
             </a:extLst>
           </p:cNvPr>
@@ -1798,7 +1810,7 @@
           <p:cNvPr id="7" name="Date Placeholder 6">
             <a:extLst>
               <a:ext uri="{FF2B5EF4-FFF2-40B4-BE49-F238E27FC236}">
-                <a16:creationId xmlns:a16="http://schemas.microsoft.com/office/drawing/2014/main" id="{E0097150-44E3-4E67-9DDE-E2BBDDD498B7}"/>
+                <a16:creationId xmlns:a16="http://schemas.microsoft.com/office/drawing/2014/main" id="{877C7A5D-931A-4A9C-AF27-A8E79CCB8016}"/>
               </a:ext>
             </a:extLst>
           </p:cNvPr>
@@ -1814,9 +1826,9 @@
           <a:bodyPr/>
           <a:lstStyle/>
           <a:p>
-            <a:fld id="{6B255CAC-6785-408F-8F54-9AEB1D83D7DC}" type="datetimeFigureOut">
+            <a:fld id="{B641BB01-87BF-4618-B7B5-E88AF940C963}" type="datetimeFigureOut">
               <a:rPr lang="en-US" smtClean="0"/>
-              <a:t>7/8/2021</a:t>
+              <a:t>7/30/2021</a:t>
             </a:fld>
             <a:endParaRPr lang="en-US"/>
           </a:p>
@@ -1827,7 +1839,7 @@
           <p:cNvPr id="8" name="Footer Placeholder 7">
             <a:extLst>
               <a:ext uri="{FF2B5EF4-FFF2-40B4-BE49-F238E27FC236}">
-                <a16:creationId xmlns:a16="http://schemas.microsoft.com/office/drawing/2014/main" id="{DA49B85E-068D-4E99-8B02-065854E5B5A6}"/>
+                <a16:creationId xmlns:a16="http://schemas.microsoft.com/office/drawing/2014/main" id="{1705A7AF-02B0-4997-8F27-5DA09466E669}"/>
               </a:ext>
             </a:extLst>
           </p:cNvPr>
@@ -1852,7 +1864,7 @@
           <p:cNvPr id="9" name="Slide Number Placeholder 8">
             <a:extLst>
               <a:ext uri="{FF2B5EF4-FFF2-40B4-BE49-F238E27FC236}">
-                <a16:creationId xmlns:a16="http://schemas.microsoft.com/office/drawing/2014/main" id="{BF6CB85D-5CD7-4725-98F7-C1C1BB92D1FC}"/>
+                <a16:creationId xmlns:a16="http://schemas.microsoft.com/office/drawing/2014/main" id="{C1A5EEEB-E563-4970-8CCF-71FDA55C1C79}"/>
               </a:ext>
             </a:extLst>
           </p:cNvPr>
@@ -1868,7 +1880,7 @@
           <a:bodyPr/>
           <a:lstStyle/>
           <a:p>
-            <a:fld id="{330E3274-5E81-4766-AF7C-0D3F20C6DDCD}" type="slidenum">
+            <a:fld id="{7D44C575-D9F7-4A2A-8DA7-B0C5CF203ED3}" type="slidenum">
               <a:rPr lang="en-US" smtClean="0"/>
               <a:t>‹#›</a:t>
             </a:fld>
@@ -1879,7 +1891,7 @@
     </p:spTree>
     <p:extLst>
       <p:ext uri="{BB962C8B-B14F-4D97-AF65-F5344CB8AC3E}">
-        <p14:creationId xmlns:p14="http://schemas.microsoft.com/office/powerpoint/2010/main" val="3094402176"/>
+        <p14:creationId xmlns:p14="http://schemas.microsoft.com/office/powerpoint/2010/main" val="2190775589"/>
       </p:ext>
     </p:extLst>
   </p:cSld>
@@ -1911,7 +1923,7 @@
           <p:cNvPr id="2" name="Title 1">
             <a:extLst>
               <a:ext uri="{FF2B5EF4-FFF2-40B4-BE49-F238E27FC236}">
-                <a16:creationId xmlns:a16="http://schemas.microsoft.com/office/drawing/2014/main" id="{75FB57C2-9E42-4E3F-936A-5D0FA0C4B6D3}"/>
+                <a16:creationId xmlns:a16="http://schemas.microsoft.com/office/drawing/2014/main" id="{12619C6A-546E-4822-8FCA-FC03E5C48726}"/>
               </a:ext>
             </a:extLst>
           </p:cNvPr>
@@ -1939,7 +1951,7 @@
           <p:cNvPr id="3" name="Date Placeholder 2">
             <a:extLst>
               <a:ext uri="{FF2B5EF4-FFF2-40B4-BE49-F238E27FC236}">
-                <a16:creationId xmlns:a16="http://schemas.microsoft.com/office/drawing/2014/main" id="{7C43AEFB-6DA2-4289-828C-5DDF5C2B71E4}"/>
+                <a16:creationId xmlns:a16="http://schemas.microsoft.com/office/drawing/2014/main" id="{546AC7A7-F9A4-4109-A475-F121BB193ACE}"/>
               </a:ext>
             </a:extLst>
           </p:cNvPr>
@@ -1955,9 +1967,9 @@
           <a:bodyPr/>
           <a:lstStyle/>
           <a:p>
-            <a:fld id="{6B255CAC-6785-408F-8F54-9AEB1D83D7DC}" type="datetimeFigureOut">
+            <a:fld id="{B641BB01-87BF-4618-B7B5-E88AF940C963}" type="datetimeFigureOut">
               <a:rPr lang="en-US" smtClean="0"/>
-              <a:t>7/8/2021</a:t>
+              <a:t>7/30/2021</a:t>
             </a:fld>
             <a:endParaRPr lang="en-US"/>
           </a:p>
@@ -1968,7 +1980,7 @@
           <p:cNvPr id="4" name="Footer Placeholder 3">
             <a:extLst>
               <a:ext uri="{FF2B5EF4-FFF2-40B4-BE49-F238E27FC236}">
-                <a16:creationId xmlns:a16="http://schemas.microsoft.com/office/drawing/2014/main" id="{941BFA59-2F92-47F7-8B8A-74B201261C1E}"/>
+                <a16:creationId xmlns:a16="http://schemas.microsoft.com/office/drawing/2014/main" id="{1B65AB9C-9AFC-4CC9-B7AF-6351939C4CD8}"/>
               </a:ext>
             </a:extLst>
           </p:cNvPr>
@@ -1993,7 +2005,7 @@
           <p:cNvPr id="5" name="Slide Number Placeholder 4">
             <a:extLst>
               <a:ext uri="{FF2B5EF4-FFF2-40B4-BE49-F238E27FC236}">
-                <a16:creationId xmlns:a16="http://schemas.microsoft.com/office/drawing/2014/main" id="{C23C8E29-0340-4E42-896C-63E5C7BDA8D7}"/>
+                <a16:creationId xmlns:a16="http://schemas.microsoft.com/office/drawing/2014/main" id="{58CF0B5E-2A95-4A29-9E99-E74C9BFC1F1D}"/>
               </a:ext>
             </a:extLst>
           </p:cNvPr>
@@ -2009,7 +2021,7 @@
           <a:bodyPr/>
           <a:lstStyle/>
           <a:p>
-            <a:fld id="{330E3274-5E81-4766-AF7C-0D3F20C6DDCD}" type="slidenum">
+            <a:fld id="{7D44C575-D9F7-4A2A-8DA7-B0C5CF203ED3}" type="slidenum">
               <a:rPr lang="en-US" smtClean="0"/>
               <a:t>‹#›</a:t>
             </a:fld>
@@ -2020,7 +2032,7 @@
     </p:spTree>
     <p:extLst>
       <p:ext uri="{BB962C8B-B14F-4D97-AF65-F5344CB8AC3E}">
-        <p14:creationId xmlns:p14="http://schemas.microsoft.com/office/powerpoint/2010/main" val="4026988756"/>
+        <p14:creationId xmlns:p14="http://schemas.microsoft.com/office/powerpoint/2010/main" val="1464911327"/>
       </p:ext>
     </p:extLst>
   </p:cSld>
@@ -2052,7 +2064,7 @@
           <p:cNvPr id="2" name="Date Placeholder 1">
             <a:extLst>
               <a:ext uri="{FF2B5EF4-FFF2-40B4-BE49-F238E27FC236}">
-                <a16:creationId xmlns:a16="http://schemas.microsoft.com/office/drawing/2014/main" id="{2DB9120E-5864-4A01-B209-57D545D7D7AB}"/>
+                <a16:creationId xmlns:a16="http://schemas.microsoft.com/office/drawing/2014/main" id="{A7B87DE1-FF18-4786-B266-B692D3FE6767}"/>
               </a:ext>
             </a:extLst>
           </p:cNvPr>
@@ -2068,9 +2080,9 @@
           <a:bodyPr/>
           <a:lstStyle/>
           <a:p>
-            <a:fld id="{6B255CAC-6785-408F-8F54-9AEB1D83D7DC}" type="datetimeFigureOut">
+            <a:fld id="{B641BB01-87BF-4618-B7B5-E88AF940C963}" type="datetimeFigureOut">
               <a:rPr lang="en-US" smtClean="0"/>
-              <a:t>7/8/2021</a:t>
+              <a:t>7/30/2021</a:t>
             </a:fld>
             <a:endParaRPr lang="en-US"/>
           </a:p>
@@ -2081,7 +2093,7 @@
           <p:cNvPr id="3" name="Footer Placeholder 2">
             <a:extLst>
               <a:ext uri="{FF2B5EF4-FFF2-40B4-BE49-F238E27FC236}">
-                <a16:creationId xmlns:a16="http://schemas.microsoft.com/office/drawing/2014/main" id="{4383E546-6BFF-4961-BB78-A4DC1DFBBA50}"/>
+                <a16:creationId xmlns:a16="http://schemas.microsoft.com/office/drawing/2014/main" id="{FEAD6C4C-C01D-461A-8647-F0D21F48FF43}"/>
               </a:ext>
             </a:extLst>
           </p:cNvPr>
@@ -2106,7 +2118,7 @@
           <p:cNvPr id="4" name="Slide Number Placeholder 3">
             <a:extLst>
               <a:ext uri="{FF2B5EF4-FFF2-40B4-BE49-F238E27FC236}">
-                <a16:creationId xmlns:a16="http://schemas.microsoft.com/office/drawing/2014/main" id="{8F6C0343-54AB-4DBD-BA9E-F90C767F1590}"/>
+                <a16:creationId xmlns:a16="http://schemas.microsoft.com/office/drawing/2014/main" id="{B3372254-1CF2-4003-B2AB-6FDA35B7AACA}"/>
               </a:ext>
             </a:extLst>
           </p:cNvPr>
@@ -2122,7 +2134,7 @@
           <a:bodyPr/>
           <a:lstStyle/>
           <a:p>
-            <a:fld id="{330E3274-5E81-4766-AF7C-0D3F20C6DDCD}" type="slidenum">
+            <a:fld id="{7D44C575-D9F7-4A2A-8DA7-B0C5CF203ED3}" type="slidenum">
               <a:rPr lang="en-US" smtClean="0"/>
               <a:t>‹#›</a:t>
             </a:fld>
@@ -2133,7 +2145,7 @@
     </p:spTree>
     <p:extLst>
       <p:ext uri="{BB962C8B-B14F-4D97-AF65-F5344CB8AC3E}">
-        <p14:creationId xmlns:p14="http://schemas.microsoft.com/office/powerpoint/2010/main" val="2715270678"/>
+        <p14:creationId xmlns:p14="http://schemas.microsoft.com/office/powerpoint/2010/main" val="1959109879"/>
       </p:ext>
     </p:extLst>
   </p:cSld>
@@ -2165,7 +2177,7 @@
           <p:cNvPr id="2" name="Title 1">
             <a:extLst>
               <a:ext uri="{FF2B5EF4-FFF2-40B4-BE49-F238E27FC236}">
-                <a16:creationId xmlns:a16="http://schemas.microsoft.com/office/drawing/2014/main" id="{1FAA4141-5680-442A-87CD-F95D25FE94D2}"/>
+                <a16:creationId xmlns:a16="http://schemas.microsoft.com/office/drawing/2014/main" id="{76C36066-9FCC-42D8-9696-8F97FA51802B}"/>
               </a:ext>
             </a:extLst>
           </p:cNvPr>
@@ -2202,7 +2214,7 @@
           <p:cNvPr id="3" name="Content Placeholder 2">
             <a:extLst>
               <a:ext uri="{FF2B5EF4-FFF2-40B4-BE49-F238E27FC236}">
-                <a16:creationId xmlns:a16="http://schemas.microsoft.com/office/drawing/2014/main" id="{B21B1E7B-B387-4887-8569-4EA7E3E44541}"/>
+                <a16:creationId xmlns:a16="http://schemas.microsoft.com/office/drawing/2014/main" id="{D1510CA8-1871-41DC-AF2C-90F6FEFC4CCC}"/>
               </a:ext>
             </a:extLst>
           </p:cNvPr>
@@ -2292,7 +2304,7 @@
           <p:cNvPr id="4" name="Text Placeholder 3">
             <a:extLst>
               <a:ext uri="{FF2B5EF4-FFF2-40B4-BE49-F238E27FC236}">
-                <a16:creationId xmlns:a16="http://schemas.microsoft.com/office/drawing/2014/main" id="{072222A7-1E64-48A2-9B8A-87ED014477D5}"/>
+                <a16:creationId xmlns:a16="http://schemas.microsoft.com/office/drawing/2014/main" id="{9927CE46-9FAF-440D-A279-D98826DDBBF0}"/>
               </a:ext>
             </a:extLst>
           </p:cNvPr>
@@ -2363,7 +2375,7 @@
           <p:cNvPr id="5" name="Date Placeholder 4">
             <a:extLst>
               <a:ext uri="{FF2B5EF4-FFF2-40B4-BE49-F238E27FC236}">
-                <a16:creationId xmlns:a16="http://schemas.microsoft.com/office/drawing/2014/main" id="{FFC1FF0A-1DA9-4F8F-A4A1-5F779FB40D33}"/>
+                <a16:creationId xmlns:a16="http://schemas.microsoft.com/office/drawing/2014/main" id="{1D6A3C67-25E9-495B-8997-ECA0D8B1C487}"/>
               </a:ext>
             </a:extLst>
           </p:cNvPr>
@@ -2379,9 +2391,9 @@
           <a:bodyPr/>
           <a:lstStyle/>
           <a:p>
-            <a:fld id="{6B255CAC-6785-408F-8F54-9AEB1D83D7DC}" type="datetimeFigureOut">
+            <a:fld id="{B641BB01-87BF-4618-B7B5-E88AF940C963}" type="datetimeFigureOut">
               <a:rPr lang="en-US" smtClean="0"/>
-              <a:t>7/8/2021</a:t>
+              <a:t>7/30/2021</a:t>
             </a:fld>
             <a:endParaRPr lang="en-US"/>
           </a:p>
@@ -2392,7 +2404,7 @@
           <p:cNvPr id="6" name="Footer Placeholder 5">
             <a:extLst>
               <a:ext uri="{FF2B5EF4-FFF2-40B4-BE49-F238E27FC236}">
-                <a16:creationId xmlns:a16="http://schemas.microsoft.com/office/drawing/2014/main" id="{2DE1CF44-921F-4677-93FE-BFA47CDC3A85}"/>
+                <a16:creationId xmlns:a16="http://schemas.microsoft.com/office/drawing/2014/main" id="{1ECA04ED-144E-4004-A1E3-3A33A072EC09}"/>
               </a:ext>
             </a:extLst>
           </p:cNvPr>
@@ -2417,7 +2429,7 @@
           <p:cNvPr id="7" name="Slide Number Placeholder 6">
             <a:extLst>
               <a:ext uri="{FF2B5EF4-FFF2-40B4-BE49-F238E27FC236}">
-                <a16:creationId xmlns:a16="http://schemas.microsoft.com/office/drawing/2014/main" id="{8EF1B110-2D37-46A0-A72E-13E53980DD32}"/>
+                <a16:creationId xmlns:a16="http://schemas.microsoft.com/office/drawing/2014/main" id="{C48B8772-A17E-4015-A2AB-F01C879029AC}"/>
               </a:ext>
             </a:extLst>
           </p:cNvPr>
@@ -2433,7 +2445,7 @@
           <a:bodyPr/>
           <a:lstStyle/>
           <a:p>
-            <a:fld id="{330E3274-5E81-4766-AF7C-0D3F20C6DDCD}" type="slidenum">
+            <a:fld id="{7D44C575-D9F7-4A2A-8DA7-B0C5CF203ED3}" type="slidenum">
               <a:rPr lang="en-US" smtClean="0"/>
               <a:t>‹#›</a:t>
             </a:fld>
@@ -2444,7 +2456,7 @@
     </p:spTree>
     <p:extLst>
       <p:ext uri="{BB962C8B-B14F-4D97-AF65-F5344CB8AC3E}">
-        <p14:creationId xmlns:p14="http://schemas.microsoft.com/office/powerpoint/2010/main" val="747516124"/>
+        <p14:creationId xmlns:p14="http://schemas.microsoft.com/office/powerpoint/2010/main" val="3896720520"/>
       </p:ext>
     </p:extLst>
   </p:cSld>
@@ -2476,7 +2488,7 @@
           <p:cNvPr id="2" name="Title 1">
             <a:extLst>
               <a:ext uri="{FF2B5EF4-FFF2-40B4-BE49-F238E27FC236}">
-                <a16:creationId xmlns:a16="http://schemas.microsoft.com/office/drawing/2014/main" id="{4B07B48F-0D51-4FE1-B047-D9AE94C44E19}"/>
+                <a16:creationId xmlns:a16="http://schemas.microsoft.com/office/drawing/2014/main" id="{B131C568-D55E-4628-B38B-67CAE93B90D7}"/>
               </a:ext>
             </a:extLst>
           </p:cNvPr>
@@ -2513,7 +2525,7 @@
           <p:cNvPr id="3" name="Picture Placeholder 2">
             <a:extLst>
               <a:ext uri="{FF2B5EF4-FFF2-40B4-BE49-F238E27FC236}">
-                <a16:creationId xmlns:a16="http://schemas.microsoft.com/office/drawing/2014/main" id="{EC45AD9A-A09D-44F2-A1CB-CD11E4A617BE}"/>
+                <a16:creationId xmlns:a16="http://schemas.microsoft.com/office/drawing/2014/main" id="{41677DB7-3BB3-45EA-A6DA-248BE4C6C500}"/>
               </a:ext>
             </a:extLst>
           </p:cNvPr>
@@ -2580,7 +2592,7 @@
           <p:cNvPr id="4" name="Text Placeholder 3">
             <a:extLst>
               <a:ext uri="{FF2B5EF4-FFF2-40B4-BE49-F238E27FC236}">
-                <a16:creationId xmlns:a16="http://schemas.microsoft.com/office/drawing/2014/main" id="{AD5FEE14-5AC2-4CBF-98C1-2E7DD1897E66}"/>
+                <a16:creationId xmlns:a16="http://schemas.microsoft.com/office/drawing/2014/main" id="{6FF0E547-EE20-46C8-A5DA-ED687E96FC39}"/>
               </a:ext>
             </a:extLst>
           </p:cNvPr>
@@ -2651,7 +2663,7 @@
           <p:cNvPr id="5" name="Date Placeholder 4">
             <a:extLst>
               <a:ext uri="{FF2B5EF4-FFF2-40B4-BE49-F238E27FC236}">
-                <a16:creationId xmlns:a16="http://schemas.microsoft.com/office/drawing/2014/main" id="{7904C5C5-F4C2-41FB-9A4F-E958BD9ED1E6}"/>
+                <a16:creationId xmlns:a16="http://schemas.microsoft.com/office/drawing/2014/main" id="{849F9285-5E22-4FC1-BDE8-3092BE9F3A09}"/>
               </a:ext>
             </a:extLst>
           </p:cNvPr>
@@ -2667,9 +2679,9 @@
           <a:bodyPr/>
           <a:lstStyle/>
           <a:p>
-            <a:fld id="{6B255CAC-6785-408F-8F54-9AEB1D83D7DC}" type="datetimeFigureOut">
+            <a:fld id="{B641BB01-87BF-4618-B7B5-E88AF940C963}" type="datetimeFigureOut">
               <a:rPr lang="en-US" smtClean="0"/>
-              <a:t>7/8/2021</a:t>
+              <a:t>7/30/2021</a:t>
             </a:fld>
             <a:endParaRPr lang="en-US"/>
           </a:p>
@@ -2680,7 +2692,7 @@
           <p:cNvPr id="6" name="Footer Placeholder 5">
             <a:extLst>
               <a:ext uri="{FF2B5EF4-FFF2-40B4-BE49-F238E27FC236}">
-                <a16:creationId xmlns:a16="http://schemas.microsoft.com/office/drawing/2014/main" id="{699335E5-6356-4496-BD9C-D851E071AC6D}"/>
+                <a16:creationId xmlns:a16="http://schemas.microsoft.com/office/drawing/2014/main" id="{4FFAC4E3-8E0C-4247-A6F5-04AD07D138BD}"/>
               </a:ext>
             </a:extLst>
           </p:cNvPr>
@@ -2705,7 +2717,7 @@
           <p:cNvPr id="7" name="Slide Number Placeholder 6">
             <a:extLst>
               <a:ext uri="{FF2B5EF4-FFF2-40B4-BE49-F238E27FC236}">
-                <a16:creationId xmlns:a16="http://schemas.microsoft.com/office/drawing/2014/main" id="{F1195309-4A96-41E4-8136-118FCE3D5034}"/>
+                <a16:creationId xmlns:a16="http://schemas.microsoft.com/office/drawing/2014/main" id="{E0B5000B-EFFA-410C-A8F3-DFE1CA34972B}"/>
               </a:ext>
             </a:extLst>
           </p:cNvPr>
@@ -2721,7 +2733,7 @@
           <a:bodyPr/>
           <a:lstStyle/>
           <a:p>
-            <a:fld id="{330E3274-5E81-4766-AF7C-0D3F20C6DDCD}" type="slidenum">
+            <a:fld id="{7D44C575-D9F7-4A2A-8DA7-B0C5CF203ED3}" type="slidenum">
               <a:rPr lang="en-US" smtClean="0"/>
               <a:t>‹#›</a:t>
             </a:fld>
@@ -2732,7 +2744,7 @@
     </p:spTree>
     <p:extLst>
       <p:ext uri="{BB962C8B-B14F-4D97-AF65-F5344CB8AC3E}">
-        <p14:creationId xmlns:p14="http://schemas.microsoft.com/office/powerpoint/2010/main" val="758251755"/>
+        <p14:creationId xmlns:p14="http://schemas.microsoft.com/office/powerpoint/2010/main" val="3382836477"/>
       </p:ext>
     </p:extLst>
   </p:cSld>
@@ -2769,7 +2781,7 @@
           <p:cNvPr id="2" name="Title Placeholder 1">
             <a:extLst>
               <a:ext uri="{FF2B5EF4-FFF2-40B4-BE49-F238E27FC236}">
-                <a16:creationId xmlns:a16="http://schemas.microsoft.com/office/drawing/2014/main" id="{4902E986-447F-4971-85C5-22A464E9DCEA}"/>
+                <a16:creationId xmlns:a16="http://schemas.microsoft.com/office/drawing/2014/main" id="{C5721B1A-7062-4F70-8EC4-DF65F7B77EA0}"/>
               </a:ext>
             </a:extLst>
           </p:cNvPr>
@@ -2807,7 +2819,7 @@
           <p:cNvPr id="3" name="Text Placeholder 2">
             <a:extLst>
               <a:ext uri="{FF2B5EF4-FFF2-40B4-BE49-F238E27FC236}">
-                <a16:creationId xmlns:a16="http://schemas.microsoft.com/office/drawing/2014/main" id="{5DEB4678-3114-4815-8D02-A657BF1C62C7}"/>
+                <a16:creationId xmlns:a16="http://schemas.microsoft.com/office/drawing/2014/main" id="{2C93C6DF-808A-4D9E-891C-8DB08330B3CA}"/>
               </a:ext>
             </a:extLst>
           </p:cNvPr>
@@ -2874,7 +2886,7 @@
           <p:cNvPr id="4" name="Date Placeholder 3">
             <a:extLst>
               <a:ext uri="{FF2B5EF4-FFF2-40B4-BE49-F238E27FC236}">
-                <a16:creationId xmlns:a16="http://schemas.microsoft.com/office/drawing/2014/main" id="{576CF614-AF1D-4A32-89D3-F2D0F7789D71}"/>
+                <a16:creationId xmlns:a16="http://schemas.microsoft.com/office/drawing/2014/main" id="{787FDCB1-24D0-48CF-8804-9A1BED5661C9}"/>
               </a:ext>
             </a:extLst>
           </p:cNvPr>
@@ -2908,9 +2920,9 @@
             </a:lvl1pPr>
           </a:lstStyle>
           <a:p>
-            <a:fld id="{6B255CAC-6785-408F-8F54-9AEB1D83D7DC}" type="datetimeFigureOut">
+            <a:fld id="{B641BB01-87BF-4618-B7B5-E88AF940C963}" type="datetimeFigureOut">
               <a:rPr lang="en-US" smtClean="0"/>
-              <a:t>7/8/2021</a:t>
+              <a:t>7/30/2021</a:t>
             </a:fld>
             <a:endParaRPr lang="en-US"/>
           </a:p>
@@ -2921,7 +2933,7 @@
           <p:cNvPr id="5" name="Footer Placeholder 4">
             <a:extLst>
               <a:ext uri="{FF2B5EF4-FFF2-40B4-BE49-F238E27FC236}">
-                <a16:creationId xmlns:a16="http://schemas.microsoft.com/office/drawing/2014/main" id="{1B6C5B7A-3041-4232-B403-46FA81DCC830}"/>
+                <a16:creationId xmlns:a16="http://schemas.microsoft.com/office/drawing/2014/main" id="{10B0867B-7021-4763-B674-D89D76A43477}"/>
               </a:ext>
             </a:extLst>
           </p:cNvPr>
@@ -2964,7 +2976,7 @@
           <p:cNvPr id="6" name="Slide Number Placeholder 5">
             <a:extLst>
               <a:ext uri="{FF2B5EF4-FFF2-40B4-BE49-F238E27FC236}">
-                <a16:creationId xmlns:a16="http://schemas.microsoft.com/office/drawing/2014/main" id="{3FF15276-D769-4448-B1CC-9B4F31BDE483}"/>
+                <a16:creationId xmlns:a16="http://schemas.microsoft.com/office/drawing/2014/main" id="{1062A715-1D11-4CED-B782-5F1E0D98A8AB}"/>
               </a:ext>
             </a:extLst>
           </p:cNvPr>
@@ -2998,7 +3010,7 @@
             </a:lvl1pPr>
           </a:lstStyle>
           <a:p>
-            <a:fld id="{330E3274-5E81-4766-AF7C-0D3F20C6DDCD}" type="slidenum">
+            <a:fld id="{7D44C575-D9F7-4A2A-8DA7-B0C5CF203ED3}" type="slidenum">
               <a:rPr lang="en-US" smtClean="0"/>
               <a:t>‹#›</a:t>
             </a:fld>
@@ -3009,7 +3021,7 @@
     </p:spTree>
     <p:extLst>
       <p:ext uri="{BB962C8B-B14F-4D97-AF65-F5344CB8AC3E}">
-        <p14:creationId xmlns:p14="http://schemas.microsoft.com/office/powerpoint/2010/main" val="3679525442"/>
+        <p14:creationId xmlns:p14="http://schemas.microsoft.com/office/powerpoint/2010/main" val="3053302277"/>
       </p:ext>
     </p:extLst>
   </p:cSld>
@@ -3329,10 +3341,10 @@
       </p:grpSpPr>
       <p:grpSp>
         <p:nvGrpSpPr>
-          <p:cNvPr id="17" name="Group 16">
-            <a:extLst>
-              <a:ext uri="{FF2B5EF4-FFF2-40B4-BE49-F238E27FC236}">
-                <a16:creationId xmlns:a16="http://schemas.microsoft.com/office/drawing/2014/main" id="{2031FFA3-6D7D-4073-81CC-ECB20134DBA0}"/>
+          <p:cNvPr id="13" name="Group 12">
+            <a:extLst>
+              <a:ext uri="{FF2B5EF4-FFF2-40B4-BE49-F238E27FC236}">
+                <a16:creationId xmlns:a16="http://schemas.microsoft.com/office/drawing/2014/main" id="{5B4AC7AD-44E7-4D1F-AD56-E7E8A5CF44F6}"/>
               </a:ext>
             </a:extLst>
           </p:cNvPr>
@@ -3341,65 +3353,619 @@
         </p:nvGrpSpPr>
         <p:grpSpPr>
           <a:xfrm>
-            <a:off x="3467101" y="1981200"/>
-            <a:ext cx="3657600" cy="2879586"/>
-            <a:chOff x="3467101" y="1981200"/>
-            <a:chExt cx="3657600" cy="2879586"/>
+            <a:off x="-754759" y="101599"/>
+            <a:ext cx="14069638" cy="7298662"/>
+            <a:chOff x="-754759" y="101599"/>
+            <a:chExt cx="14069638" cy="7298662"/>
           </a:xfrm>
         </p:grpSpPr>
-        <p:pic>
-          <p:nvPicPr>
-            <p:cNvPr id="1074" name="Picture 50" descr="Image result for web service icon">
+        <p:grpSp>
+          <p:nvGrpSpPr>
+            <p:cNvPr id="12" name="Group 11">
               <a:extLst>
                 <a:ext uri="{FF2B5EF4-FFF2-40B4-BE49-F238E27FC236}">
-                  <a16:creationId xmlns:a16="http://schemas.microsoft.com/office/drawing/2014/main" id="{C523865C-F3B7-4798-80ED-02DE5D517ACF}"/>
+                  <a16:creationId xmlns:a16="http://schemas.microsoft.com/office/drawing/2014/main" id="{121B81E0-BF73-4771-AD2B-44444E70C0FD}"/>
                 </a:ext>
               </a:extLst>
             </p:cNvPr>
-            <p:cNvPicPr>
-              <a:picLocks noChangeAspect="1" noChangeArrowheads="1"/>
-            </p:cNvPicPr>
+            <p:cNvGrpSpPr/>
             <p:nvPr/>
-          </p:nvPicPr>
-          <p:blipFill>
-            <a:blip r:embed="rId2">
+          </p:nvGrpSpPr>
+          <p:grpSpPr>
+            <a:xfrm>
+              <a:off x="-754759" y="101599"/>
+              <a:ext cx="14069638" cy="7298662"/>
+              <a:chOff x="-754759" y="101599"/>
+              <a:chExt cx="14069638" cy="7298662"/>
+            </a:xfrm>
+          </p:grpSpPr>
+          <p:pic>
+            <p:nvPicPr>
+              <p:cNvPr id="1026" name="Picture 2" descr="bitbucket-logo - POEditor Blog">
+                <a:extLst>
+                  <a:ext uri="{FF2B5EF4-FFF2-40B4-BE49-F238E27FC236}">
+                    <a16:creationId xmlns:a16="http://schemas.microsoft.com/office/drawing/2014/main" id="{720B49C1-3A68-4907-A682-161C5EFFFCDD}"/>
+                  </a:ext>
+                </a:extLst>
+              </p:cNvPr>
+              <p:cNvPicPr>
+                <a:picLocks noChangeAspect="1" noChangeArrowheads="1"/>
+              </p:cNvPicPr>
+              <p:nvPr/>
+            </p:nvPicPr>
+            <p:blipFill>
+              <a:blip r:embed="rId2">
+                <a:extLst>
+                  <a:ext uri="{28A0092B-C50C-407E-A947-70E740481C1C}">
+                    <a14:useLocalDpi xmlns:a14="http://schemas.microsoft.com/office/drawing/2010/main" val="0"/>
+                  </a:ext>
+                </a:extLst>
+              </a:blip>
+              <a:srcRect/>
+              <a:stretch>
+                <a:fillRect/>
+              </a:stretch>
+            </p:blipFill>
+            <p:spPr bwMode="auto">
+              <a:xfrm>
+                <a:off x="1004959" y="2595987"/>
+                <a:ext cx="1666026" cy="1666026"/>
+              </a:xfrm>
+              <a:prstGeom prst="rect">
+                <a:avLst/>
+              </a:prstGeom>
+              <a:noFill/>
               <a:extLst>
-                <a:ext uri="{28A0092B-C50C-407E-A947-70E740481C1C}">
-                  <a14:useLocalDpi xmlns:a14="http://schemas.microsoft.com/office/drawing/2010/main" val="0"/>
+                <a:ext uri="{909E8E84-426E-40DD-AFC4-6F175D3DCCD1}">
+                  <a14:hiddenFill xmlns:a14="http://schemas.microsoft.com/office/drawing/2010/main">
+                    <a:solidFill>
+                      <a:srgbClr val="FFFFFF"/>
+                    </a:solidFill>
+                  </a14:hiddenFill>
                 </a:ext>
               </a:extLst>
-            </a:blip>
-            <a:srcRect/>
-            <a:stretch>
-              <a:fillRect/>
-            </a:stretch>
-          </p:blipFill>
-          <p:spPr bwMode="auto">
+            </p:spPr>
+          </p:pic>
+          <p:pic>
+            <p:nvPicPr>
+              <p:cNvPr id="1030" name="Picture 6" descr="Developer Icon Vector Art, Icons, and Graphics for Free Download">
+                <a:extLst>
+                  <a:ext uri="{FF2B5EF4-FFF2-40B4-BE49-F238E27FC236}">
+                    <a16:creationId xmlns:a16="http://schemas.microsoft.com/office/drawing/2014/main" id="{09C0BFBE-77E1-4793-A147-907C30905E4E}"/>
+                  </a:ext>
+                </a:extLst>
+              </p:cNvPr>
+              <p:cNvPicPr>
+                <a:picLocks noChangeAspect="1" noChangeArrowheads="1"/>
+              </p:cNvPicPr>
+              <p:nvPr/>
+            </p:nvPicPr>
+            <p:blipFill>
+              <a:blip r:embed="rId3">
+                <a:extLst>
+                  <a:ext uri="{28A0092B-C50C-407E-A947-70E740481C1C}">
+                    <a14:useLocalDpi xmlns:a14="http://schemas.microsoft.com/office/drawing/2010/main" val="0"/>
+                  </a:ext>
+                </a:extLst>
+              </a:blip>
+              <a:srcRect/>
+              <a:stretch>
+                <a:fillRect/>
+              </a:stretch>
+            </p:blipFill>
+            <p:spPr bwMode="auto">
+              <a:xfrm>
+                <a:off x="-754759" y="2709017"/>
+                <a:ext cx="1439966" cy="1439966"/>
+              </a:xfrm>
+              <a:prstGeom prst="rect">
+                <a:avLst/>
+              </a:prstGeom>
+              <a:noFill/>
+              <a:extLst>
+                <a:ext uri="{909E8E84-426E-40DD-AFC4-6F175D3DCCD1}">
+                  <a14:hiddenFill xmlns:a14="http://schemas.microsoft.com/office/drawing/2010/main">
+                    <a:solidFill>
+                      <a:srgbClr val="FFFFFF"/>
+                    </a:solidFill>
+                  </a14:hiddenFill>
+                </a:ext>
+              </a:extLst>
+            </p:spPr>
+          </p:pic>
+          <p:pic>
+            <p:nvPicPr>
+              <p:cNvPr id="1032" name="Picture 8" descr="Jenkins is Getting Old. Jenkins has become a victim of its own… | by Erik  Englund | ITNEXT">
+                <a:extLst>
+                  <a:ext uri="{FF2B5EF4-FFF2-40B4-BE49-F238E27FC236}">
+                    <a16:creationId xmlns:a16="http://schemas.microsoft.com/office/drawing/2014/main" id="{EFC6DEFA-02E7-4257-87E9-3B1DA6D1178A}"/>
+                  </a:ext>
+                </a:extLst>
+              </p:cNvPr>
+              <p:cNvPicPr>
+                <a:picLocks noChangeAspect="1" noChangeArrowheads="1"/>
+              </p:cNvPicPr>
+              <p:nvPr/>
+            </p:nvPicPr>
+            <p:blipFill>
+              <a:blip r:embed="rId4">
+                <a:extLst>
+                  <a:ext uri="{28A0092B-C50C-407E-A947-70E740481C1C}">
+                    <a14:useLocalDpi xmlns:a14="http://schemas.microsoft.com/office/drawing/2010/main" val="0"/>
+                  </a:ext>
+                </a:extLst>
+              </a:blip>
+              <a:srcRect/>
+              <a:stretch>
+                <a:fillRect/>
+              </a:stretch>
+            </p:blipFill>
+            <p:spPr bwMode="auto">
+              <a:xfrm>
+                <a:off x="3110152" y="2428609"/>
+                <a:ext cx="2178368" cy="2178368"/>
+              </a:xfrm>
+              <a:prstGeom prst="rect">
+                <a:avLst/>
+              </a:prstGeom>
+              <a:noFill/>
+              <a:extLst>
+                <a:ext uri="{909E8E84-426E-40DD-AFC4-6F175D3DCCD1}">
+                  <a14:hiddenFill xmlns:a14="http://schemas.microsoft.com/office/drawing/2010/main">
+                    <a:solidFill>
+                      <a:srgbClr val="FFFFFF"/>
+                    </a:solidFill>
+                  </a14:hiddenFill>
+                </a:ext>
+              </a:extLst>
+            </p:spPr>
+          </p:pic>
+          <p:pic>
+            <p:nvPicPr>
+              <p:cNvPr id="1034" name="Picture 10" descr="PVS-Studio download">
+                <a:extLst>
+                  <a:ext uri="{FF2B5EF4-FFF2-40B4-BE49-F238E27FC236}">
+                    <a16:creationId xmlns:a16="http://schemas.microsoft.com/office/drawing/2014/main" id="{20DD3497-3A72-4A0C-BC37-7E384041BE6B}"/>
+                  </a:ext>
+                </a:extLst>
+              </p:cNvPr>
+              <p:cNvPicPr>
+                <a:picLocks noChangeAspect="1" noChangeArrowheads="1"/>
+              </p:cNvPicPr>
+              <p:nvPr/>
+            </p:nvPicPr>
+            <p:blipFill>
+              <a:blip r:embed="rId5">
+                <a:extLst>
+                  <a:ext uri="{28A0092B-C50C-407E-A947-70E740481C1C}">
+                    <a14:useLocalDpi xmlns:a14="http://schemas.microsoft.com/office/drawing/2010/main" val="0"/>
+                  </a:ext>
+                </a:extLst>
+              </a:blip>
+              <a:srcRect/>
+              <a:stretch>
+                <a:fillRect/>
+              </a:stretch>
+            </p:blipFill>
+            <p:spPr bwMode="auto">
+              <a:xfrm>
+                <a:off x="3293476" y="4473028"/>
+                <a:ext cx="803998" cy="529908"/>
+              </a:xfrm>
+              <a:prstGeom prst="rect">
+                <a:avLst/>
+              </a:prstGeom>
+              <a:noFill/>
+              <a:extLst>
+                <a:ext uri="{909E8E84-426E-40DD-AFC4-6F175D3DCCD1}">
+                  <a14:hiddenFill xmlns:a14="http://schemas.microsoft.com/office/drawing/2010/main">
+                    <a:solidFill>
+                      <a:srgbClr val="FFFFFF"/>
+                    </a:solidFill>
+                  </a14:hiddenFill>
+                </a:ext>
+              </a:extLst>
+            </p:spPr>
+          </p:pic>
+          <p:pic>
+            <p:nvPicPr>
+              <p:cNvPr id="1038" name="Picture 14" descr="My Images for Brian McQuillan - Hewlett Packard Enterprise Community">
+                <a:extLst>
+                  <a:ext uri="{FF2B5EF4-FFF2-40B4-BE49-F238E27FC236}">
+                    <a16:creationId xmlns:a16="http://schemas.microsoft.com/office/drawing/2014/main" id="{25B5EB7F-C7EC-41DC-9BFB-4B160A87D275}"/>
+                  </a:ext>
+                </a:extLst>
+              </p:cNvPr>
+              <p:cNvPicPr>
+                <a:picLocks noChangeAspect="1" noChangeArrowheads="1"/>
+              </p:cNvPicPr>
+              <p:nvPr/>
+            </p:nvPicPr>
+            <p:blipFill>
+              <a:blip r:embed="rId6">
+                <a:extLst>
+                  <a:ext uri="{28A0092B-C50C-407E-A947-70E740481C1C}">
+                    <a14:useLocalDpi xmlns:a14="http://schemas.microsoft.com/office/drawing/2010/main" val="0"/>
+                  </a:ext>
+                </a:extLst>
+              </a:blip>
+              <a:srcRect/>
+              <a:stretch>
+                <a:fillRect/>
+              </a:stretch>
+            </p:blipFill>
+            <p:spPr bwMode="auto">
+              <a:xfrm>
+                <a:off x="4247564" y="4392165"/>
+                <a:ext cx="1224280" cy="825584"/>
+              </a:xfrm>
+              <a:prstGeom prst="rect">
+                <a:avLst/>
+              </a:prstGeom>
+              <a:noFill/>
+              <a:extLst>
+                <a:ext uri="{909E8E84-426E-40DD-AFC4-6F175D3DCCD1}">
+                  <a14:hiddenFill xmlns:a14="http://schemas.microsoft.com/office/drawing/2010/main">
+                    <a:solidFill>
+                      <a:srgbClr val="FFFFFF"/>
+                    </a:solidFill>
+                  </a14:hiddenFill>
+                </a:ext>
+              </a:extLst>
+            </p:spPr>
+          </p:pic>
+          <p:pic>
+            <p:nvPicPr>
+              <p:cNvPr id="1040" name="Picture 16" descr="A practical introduction to Docker containers | Red Hat Developer">
+                <a:extLst>
+                  <a:ext uri="{FF2B5EF4-FFF2-40B4-BE49-F238E27FC236}">
+                    <a16:creationId xmlns:a16="http://schemas.microsoft.com/office/drawing/2014/main" id="{FBDB6B45-7480-4AED-B148-630F6B1DE751}"/>
+                  </a:ext>
+                </a:extLst>
+              </p:cNvPr>
+              <p:cNvPicPr>
+                <a:picLocks noChangeAspect="1" noChangeArrowheads="1"/>
+              </p:cNvPicPr>
+              <p:nvPr/>
+            </p:nvPicPr>
+            <p:blipFill>
+              <a:blip r:embed="rId7">
+                <a:extLst>
+                  <a:ext uri="{28A0092B-C50C-407E-A947-70E740481C1C}">
+                    <a14:useLocalDpi xmlns:a14="http://schemas.microsoft.com/office/drawing/2010/main" val="0"/>
+                  </a:ext>
+                </a:extLst>
+              </a:blip>
+              <a:srcRect/>
+              <a:stretch>
+                <a:fillRect/>
+              </a:stretch>
+            </p:blipFill>
+            <p:spPr bwMode="auto">
+              <a:xfrm>
+                <a:off x="6256213" y="2920786"/>
+                <a:ext cx="1443595" cy="1194013"/>
+              </a:xfrm>
+              <a:prstGeom prst="rect">
+                <a:avLst/>
+              </a:prstGeom>
+              <a:noFill/>
+              <a:extLst>
+                <a:ext uri="{909E8E84-426E-40DD-AFC4-6F175D3DCCD1}">
+                  <a14:hiddenFill xmlns:a14="http://schemas.microsoft.com/office/drawing/2010/main">
+                    <a:solidFill>
+                      <a:srgbClr val="FFFFFF"/>
+                    </a:solidFill>
+                  </a14:hiddenFill>
+                </a:ext>
+              </a:extLst>
+            </p:spPr>
+          </p:pic>
+          <p:pic>
+            <p:nvPicPr>
+              <p:cNvPr id="1042" name="Picture 18" descr="jFrog - Reviews, Pros &amp;amp; Cons | Companies using jFrog">
+                <a:extLst>
+                  <a:ext uri="{FF2B5EF4-FFF2-40B4-BE49-F238E27FC236}">
+                    <a16:creationId xmlns:a16="http://schemas.microsoft.com/office/drawing/2014/main" id="{72B2F149-E5B3-45DD-9D24-EE353B1232A9}"/>
+                  </a:ext>
+                </a:extLst>
+              </p:cNvPr>
+              <p:cNvPicPr>
+                <a:picLocks noChangeAspect="1" noChangeArrowheads="1"/>
+              </p:cNvPicPr>
+              <p:nvPr/>
+            </p:nvPicPr>
+            <p:blipFill>
+              <a:blip r:embed="rId8">
+                <a:extLst>
+                  <a:ext uri="{28A0092B-C50C-407E-A947-70E740481C1C}">
+                    <a14:useLocalDpi xmlns:a14="http://schemas.microsoft.com/office/drawing/2010/main" val="0"/>
+                  </a:ext>
+                </a:extLst>
+              </a:blip>
+              <a:srcRect/>
+              <a:stretch>
+                <a:fillRect/>
+              </a:stretch>
+            </p:blipFill>
+            <p:spPr bwMode="auto">
+              <a:xfrm>
+                <a:off x="9627366" y="101599"/>
+                <a:ext cx="1514409" cy="1514409"/>
+              </a:xfrm>
+              <a:prstGeom prst="rect">
+                <a:avLst/>
+              </a:prstGeom>
+              <a:noFill/>
+              <a:extLst>
+                <a:ext uri="{909E8E84-426E-40DD-AFC4-6F175D3DCCD1}">
+                  <a14:hiddenFill xmlns:a14="http://schemas.microsoft.com/office/drawing/2010/main">
+                    <a:solidFill>
+                      <a:srgbClr val="FFFFFF"/>
+                    </a:solidFill>
+                  </a14:hiddenFill>
+                </a:ext>
+              </a:extLst>
+            </p:spPr>
+          </p:pic>
+          <p:pic>
+            <p:nvPicPr>
+              <p:cNvPr id="1044" name="Picture 20" descr="Svg Kubernetes Logo, HD Png Download , Transparent Png Image - PNGitem">
+                <a:extLst>
+                  <a:ext uri="{FF2B5EF4-FFF2-40B4-BE49-F238E27FC236}">
+                    <a16:creationId xmlns:a16="http://schemas.microsoft.com/office/drawing/2014/main" id="{08660EB4-563C-423F-9E4F-E4F7CF6A5936}"/>
+                  </a:ext>
+                </a:extLst>
+              </p:cNvPr>
+              <p:cNvPicPr>
+                <a:picLocks noChangeAspect="1" noChangeArrowheads="1"/>
+              </p:cNvPicPr>
+              <p:nvPr/>
+            </p:nvPicPr>
+            <p:blipFill>
+              <a:blip r:embed="rId9">
+                <a:extLst>
+                  <a:ext uri="{28A0092B-C50C-407E-A947-70E740481C1C}">
+                    <a14:useLocalDpi xmlns:a14="http://schemas.microsoft.com/office/drawing/2010/main" val="0"/>
+                  </a:ext>
+                </a:extLst>
+              </a:blip>
+              <a:srcRect/>
+              <a:stretch>
+                <a:fillRect/>
+              </a:stretch>
+            </p:blipFill>
+            <p:spPr bwMode="auto">
+              <a:xfrm>
+                <a:off x="9825370" y="2576852"/>
+                <a:ext cx="1361671" cy="1299982"/>
+              </a:xfrm>
+              <a:prstGeom prst="rect">
+                <a:avLst/>
+              </a:prstGeom>
+              <a:noFill/>
+              <a:extLst>
+                <a:ext uri="{909E8E84-426E-40DD-AFC4-6F175D3DCCD1}">
+                  <a14:hiddenFill xmlns:a14="http://schemas.microsoft.com/office/drawing/2010/main">
+                    <a:solidFill>
+                      <a:srgbClr val="FFFFFF"/>
+                    </a:solidFill>
+                  </a14:hiddenFill>
+                </a:ext>
+              </a:extLst>
+            </p:spPr>
+          </p:pic>
+          <p:pic>
+            <p:nvPicPr>
+              <p:cNvPr id="5" name="Picture 4">
+                <a:extLst>
+                  <a:ext uri="{FF2B5EF4-FFF2-40B4-BE49-F238E27FC236}">
+                    <a16:creationId xmlns:a16="http://schemas.microsoft.com/office/drawing/2014/main" id="{9A8E0CD1-8DFF-44C7-86C0-D9A5C1AD8B5D}"/>
+                  </a:ext>
+                </a:extLst>
+              </p:cNvPr>
+              <p:cNvPicPr>
+                <a:picLocks noChangeAspect="1"/>
+              </p:cNvPicPr>
+              <p:nvPr/>
+            </p:nvPicPr>
+            <p:blipFill>
+              <a:blip r:embed="rId10"/>
+              <a:stretch>
+                <a:fillRect/>
+              </a:stretch>
+            </p:blipFill>
+            <p:spPr>
+              <a:xfrm>
+                <a:off x="7878453" y="4838267"/>
+                <a:ext cx="5436426" cy="2561994"/>
+              </a:xfrm>
+              <a:prstGeom prst="rect">
+                <a:avLst/>
+              </a:prstGeom>
+            </p:spPr>
+          </p:pic>
+          <p:cxnSp>
+            <p:nvCxnSpPr>
+              <p:cNvPr id="7" name="Straight Arrow Connector 6">
+                <a:extLst>
+                  <a:ext uri="{FF2B5EF4-FFF2-40B4-BE49-F238E27FC236}">
+                    <a16:creationId xmlns:a16="http://schemas.microsoft.com/office/drawing/2014/main" id="{833CDA2E-E063-4A59-BEAC-371B9E62B8E5}"/>
+                  </a:ext>
+                </a:extLst>
+              </p:cNvPr>
+              <p:cNvCxnSpPr>
+                <a:stCxn id="1044" idx="2"/>
+              </p:cNvCxnSpPr>
+              <p:nvPr/>
+            </p:nvCxnSpPr>
+            <p:spPr>
+              <a:xfrm flipH="1">
+                <a:off x="8814364" y="3876834"/>
+                <a:ext cx="1691842" cy="1618710"/>
+              </a:xfrm>
+              <a:prstGeom prst="straightConnector1">
+                <a:avLst/>
+              </a:prstGeom>
+              <a:ln w="76200">
+                <a:solidFill>
+                  <a:srgbClr val="FF0000"/>
+                </a:solidFill>
+                <a:tailEnd type="triangle"/>
+              </a:ln>
+            </p:spPr>
+            <p:style>
+              <a:lnRef idx="1">
+                <a:schemeClr val="accent1"/>
+              </a:lnRef>
+              <a:fillRef idx="0">
+                <a:schemeClr val="accent1"/>
+              </a:fillRef>
+              <a:effectRef idx="0">
+                <a:schemeClr val="accent1"/>
+              </a:effectRef>
+              <a:fontRef idx="minor">
+                <a:schemeClr val="tx1"/>
+              </a:fontRef>
+            </p:style>
+          </p:cxnSp>
+          <p:cxnSp>
+            <p:nvCxnSpPr>
+              <p:cNvPr id="19" name="Straight Arrow Connector 18">
+                <a:extLst>
+                  <a:ext uri="{FF2B5EF4-FFF2-40B4-BE49-F238E27FC236}">
+                    <a16:creationId xmlns:a16="http://schemas.microsoft.com/office/drawing/2014/main" id="{C261FA7A-D76C-40D9-BB19-9627DD09570E}"/>
+                  </a:ext>
+                </a:extLst>
+              </p:cNvPr>
+              <p:cNvCxnSpPr>
+                <a:cxnSpLocks/>
+              </p:cNvCxnSpPr>
+              <p:nvPr/>
+            </p:nvCxnSpPr>
+            <p:spPr>
+              <a:xfrm>
+                <a:off x="10538789" y="3876834"/>
+                <a:ext cx="6562" cy="1829022"/>
+              </a:xfrm>
+              <a:prstGeom prst="straightConnector1">
+                <a:avLst/>
+              </a:prstGeom>
+              <a:ln w="76200">
+                <a:solidFill>
+                  <a:srgbClr val="FF0000"/>
+                </a:solidFill>
+                <a:tailEnd type="triangle"/>
+              </a:ln>
+            </p:spPr>
+            <p:style>
+              <a:lnRef idx="1">
+                <a:schemeClr val="accent1"/>
+              </a:lnRef>
+              <a:fillRef idx="0">
+                <a:schemeClr val="accent1"/>
+              </a:fillRef>
+              <a:effectRef idx="0">
+                <a:schemeClr val="accent1"/>
+              </a:effectRef>
+              <a:fontRef idx="minor">
+                <a:schemeClr val="tx1"/>
+              </a:fontRef>
+            </p:style>
+          </p:cxnSp>
+          <p:cxnSp>
+            <p:nvCxnSpPr>
+              <p:cNvPr id="21" name="Straight Arrow Connector 20">
+                <a:extLst>
+                  <a:ext uri="{FF2B5EF4-FFF2-40B4-BE49-F238E27FC236}">
+                    <a16:creationId xmlns:a16="http://schemas.microsoft.com/office/drawing/2014/main" id="{1B7FFC03-BB54-49DD-8721-E27420FC01C1}"/>
+                  </a:ext>
+                </a:extLst>
+              </p:cNvPr>
+              <p:cNvCxnSpPr>
+                <a:cxnSpLocks/>
+              </p:cNvCxnSpPr>
+              <p:nvPr/>
+            </p:nvCxnSpPr>
+            <p:spPr>
+              <a:xfrm>
+                <a:off x="10623200" y="3876834"/>
+                <a:ext cx="1794352" cy="1618710"/>
+              </a:xfrm>
+              <a:prstGeom prst="straightConnector1">
+                <a:avLst/>
+              </a:prstGeom>
+              <a:ln w="76200">
+                <a:solidFill>
+                  <a:srgbClr val="FF0000"/>
+                </a:solidFill>
+                <a:tailEnd type="triangle"/>
+              </a:ln>
+            </p:spPr>
+            <p:style>
+              <a:lnRef idx="1">
+                <a:schemeClr val="accent1"/>
+              </a:lnRef>
+              <a:fillRef idx="0">
+                <a:schemeClr val="accent1"/>
+              </a:fillRef>
+              <a:effectRef idx="0">
+                <a:schemeClr val="accent1"/>
+              </a:effectRef>
+              <a:fontRef idx="minor">
+                <a:schemeClr val="tx1"/>
+              </a:fontRef>
+            </p:style>
+          </p:cxnSp>
+        </p:grpSp>
+        <p:cxnSp>
+          <p:nvCxnSpPr>
+            <p:cNvPr id="3" name="Straight Arrow Connector 2">
+              <a:extLst>
+                <a:ext uri="{FF2B5EF4-FFF2-40B4-BE49-F238E27FC236}">
+                  <a16:creationId xmlns:a16="http://schemas.microsoft.com/office/drawing/2014/main" id="{E51A7273-1DC4-4A05-99DC-F022C262CCB9}"/>
+                </a:ext>
+              </a:extLst>
+            </p:cNvPr>
+            <p:cNvCxnSpPr/>
+            <p:nvPr/>
+          </p:nvCxnSpPr>
+          <p:spPr>
             <a:xfrm>
-              <a:off x="3859530" y="1981200"/>
-              <a:ext cx="2606040" cy="2171700"/>
+              <a:off x="533400" y="3429000"/>
+              <a:ext cx="800100" cy="0"/>
             </a:xfrm>
-            <a:prstGeom prst="rect">
+            <a:prstGeom prst="straightConnector1">
               <a:avLst/>
             </a:prstGeom>
-            <a:noFill/>
-            <a:extLst>
-              <a:ext uri="{909E8E84-426E-40DD-AFC4-6F175D3DCCD1}">
-                <a14:hiddenFill xmlns:a14="http://schemas.microsoft.com/office/drawing/2010/main">
-                  <a:solidFill>
-                    <a:srgbClr val="FFFFFF"/>
-                  </a:solidFill>
-                </a14:hiddenFill>
-              </a:ext>
-            </a:extLst>
+            <a:ln w="57150">
+              <a:solidFill>
+                <a:srgbClr val="00B050"/>
+              </a:solidFill>
+              <a:tailEnd type="triangle"/>
+            </a:ln>
           </p:spPr>
-        </p:pic>
+          <p:style>
+            <a:lnRef idx="3">
+              <a:schemeClr val="accent2"/>
+            </a:lnRef>
+            <a:fillRef idx="0">
+              <a:schemeClr val="accent2"/>
+            </a:fillRef>
+            <a:effectRef idx="2">
+              <a:schemeClr val="accent2"/>
+            </a:effectRef>
+            <a:fontRef idx="minor">
+              <a:schemeClr val="tx1"/>
+            </a:fontRef>
+          </p:style>
+        </p:cxnSp>
         <p:sp>
           <p:nvSpPr>
-            <p:cNvPr id="45" name="TextBox 44">
+            <p:cNvPr id="4" name="TextBox 3">
               <a:extLst>
                 <a:ext uri="{FF2B5EF4-FFF2-40B4-BE49-F238E27FC236}">
-                  <a16:creationId xmlns:a16="http://schemas.microsoft.com/office/drawing/2014/main" id="{B18F4ACA-1A80-4242-9D20-39276BB3E957}"/>
+                  <a16:creationId xmlns:a16="http://schemas.microsoft.com/office/drawing/2014/main" id="{C721BB36-38E2-42D8-B286-27CCA418286D}"/>
                 </a:ext>
               </a:extLst>
             </p:cNvPr>
@@ -3408,8 +3974,8 @@
           </p:nvSpPr>
           <p:spPr>
             <a:xfrm>
-              <a:off x="3467101" y="4152900"/>
-              <a:ext cx="3657600" cy="707886"/>
+              <a:off x="411175" y="2920786"/>
+              <a:ext cx="1197764" cy="369332"/>
             </a:xfrm>
             <a:prstGeom prst="rect">
               <a:avLst/>
@@ -3417,42 +3983,398 @@
             <a:noFill/>
           </p:spPr>
           <p:txBody>
-            <a:bodyPr wrap="square" rtlCol="0">
+            <a:bodyPr wrap="none" rtlCol="0">
               <a:spAutoFit/>
             </a:bodyPr>
             <a:lstStyle/>
             <a:p>
               <a:r>
-                <a:rPr lang="en-US" sz="4000" b="1" dirty="0">
+                <a:rPr lang="en-US" b="1" dirty="0">
                   <a:solidFill>
-                    <a:srgbClr val="483490"/>
+                    <a:srgbClr val="0000FF"/>
                   </a:solidFill>
-                  <a:effectLst>
-                    <a:outerShdw blurRad="38100" dist="38100" dir="2700000" algn="tl">
-                      <a:srgbClr val="000000">
-                        <a:alpha val="43137"/>
-                      </a:srgbClr>
-                    </a:outerShdw>
-                  </a:effectLst>
-                  <a:latin typeface="Biome" panose="020B0502040204020203" pitchFamily="34" charset="0"/>
-                  <a:cs typeface="Biome" panose="020B0502040204020203" pitchFamily="34" charset="0"/>
+                  <a:latin typeface="Consolas" panose="020B0609020204030204" pitchFamily="49" charset="0"/>
                 </a:rPr>
-                <a:t>Web Services</a:t>
+                <a:t>1.commit</a:t>
               </a:r>
-              <a:endParaRPr lang="en-US" sz="4000" b="1" dirty="0">
-                <a:solidFill>
-                  <a:srgbClr val="4D91CA"/>
-                </a:solidFill>
-                <a:effectLst>
-                  <a:outerShdw blurRad="38100" dist="38100" dir="2700000" algn="tl">
-                    <a:srgbClr val="000000">
-                      <a:alpha val="43137"/>
-                    </a:srgbClr>
-                  </a:outerShdw>
-                </a:effectLst>
-                <a:latin typeface="Biome" panose="020B0502040204020203" pitchFamily="34" charset="0"/>
-                <a:cs typeface="Biome" panose="020B0502040204020203" pitchFamily="34" charset="0"/>
-              </a:endParaRPr>
+            </a:p>
+          </p:txBody>
+        </p:sp>
+        <p:cxnSp>
+          <p:nvCxnSpPr>
+            <p:cNvPr id="18" name="Straight Arrow Connector 17">
+              <a:extLst>
+                <a:ext uri="{FF2B5EF4-FFF2-40B4-BE49-F238E27FC236}">
+                  <a16:creationId xmlns:a16="http://schemas.microsoft.com/office/drawing/2014/main" id="{C41556AF-EA6B-4F94-9E2A-5C2E54F0C907}"/>
+                </a:ext>
+              </a:extLst>
+            </p:cNvPr>
+            <p:cNvCxnSpPr>
+              <a:cxnSpLocks/>
+            </p:cNvCxnSpPr>
+            <p:nvPr/>
+          </p:nvCxnSpPr>
+          <p:spPr>
+            <a:xfrm>
+              <a:off x="2310052" y="3333188"/>
+              <a:ext cx="1385423" cy="0"/>
+            </a:xfrm>
+            <a:prstGeom prst="straightConnector1">
+              <a:avLst/>
+            </a:prstGeom>
+            <a:ln w="57150">
+              <a:solidFill>
+                <a:srgbClr val="00B050"/>
+              </a:solidFill>
+              <a:tailEnd type="triangle"/>
+            </a:ln>
+          </p:spPr>
+          <p:style>
+            <a:lnRef idx="3">
+              <a:schemeClr val="accent2"/>
+            </a:lnRef>
+            <a:fillRef idx="0">
+              <a:schemeClr val="accent2"/>
+            </a:fillRef>
+            <a:effectRef idx="2">
+              <a:schemeClr val="accent2"/>
+            </a:effectRef>
+            <a:fontRef idx="minor">
+              <a:schemeClr val="tx1"/>
+            </a:fontRef>
+          </p:style>
+        </p:cxnSp>
+        <p:sp>
+          <p:nvSpPr>
+            <p:cNvPr id="22" name="TextBox 21">
+              <a:extLst>
+                <a:ext uri="{FF2B5EF4-FFF2-40B4-BE49-F238E27FC236}">
+                  <a16:creationId xmlns:a16="http://schemas.microsoft.com/office/drawing/2014/main" id="{B848793A-B908-45F6-9BD2-F0C2801C70A8}"/>
+                </a:ext>
+              </a:extLst>
+            </p:cNvPr>
+            <p:cNvSpPr txBox="1"/>
+            <p:nvPr/>
+          </p:nvSpPr>
+          <p:spPr>
+            <a:xfrm>
+              <a:off x="2501786" y="2869208"/>
+              <a:ext cx="1071127" cy="369332"/>
+            </a:xfrm>
+            <a:prstGeom prst="rect">
+              <a:avLst/>
+            </a:prstGeom>
+            <a:noFill/>
+          </p:spPr>
+          <p:txBody>
+            <a:bodyPr wrap="none" rtlCol="0">
+              <a:spAutoFit/>
+            </a:bodyPr>
+            <a:lstStyle/>
+            <a:p>
+              <a:r>
+                <a:rPr lang="en-US" b="1" dirty="0">
+                  <a:solidFill>
+                    <a:srgbClr val="0000FF"/>
+                  </a:solidFill>
+                  <a:latin typeface="Consolas" panose="020B0609020204030204" pitchFamily="49" charset="0"/>
+                </a:rPr>
+                <a:t>2.Build</a:t>
+              </a:r>
+            </a:p>
+          </p:txBody>
+        </p:sp>
+        <p:cxnSp>
+          <p:nvCxnSpPr>
+            <p:cNvPr id="23" name="Straight Arrow Connector 22">
+              <a:extLst>
+                <a:ext uri="{FF2B5EF4-FFF2-40B4-BE49-F238E27FC236}">
+                  <a16:creationId xmlns:a16="http://schemas.microsoft.com/office/drawing/2014/main" id="{29542F24-DD1A-4646-909E-767F61492A2A}"/>
+                </a:ext>
+              </a:extLst>
+            </p:cNvPr>
+            <p:cNvCxnSpPr>
+              <a:cxnSpLocks/>
+            </p:cNvCxnSpPr>
+            <p:nvPr/>
+          </p:nvCxnSpPr>
+          <p:spPr>
+            <a:xfrm>
+              <a:off x="4859704" y="3350019"/>
+              <a:ext cx="1385423" cy="0"/>
+            </a:xfrm>
+            <a:prstGeom prst="straightConnector1">
+              <a:avLst/>
+            </a:prstGeom>
+            <a:ln w="57150">
+              <a:solidFill>
+                <a:srgbClr val="00B050"/>
+              </a:solidFill>
+              <a:tailEnd type="triangle"/>
+            </a:ln>
+          </p:spPr>
+          <p:style>
+            <a:lnRef idx="3">
+              <a:schemeClr val="accent2"/>
+            </a:lnRef>
+            <a:fillRef idx="0">
+              <a:schemeClr val="accent2"/>
+            </a:fillRef>
+            <a:effectRef idx="2">
+              <a:schemeClr val="accent2"/>
+            </a:effectRef>
+            <a:fontRef idx="minor">
+              <a:schemeClr val="tx1"/>
+            </a:fontRef>
+          </p:style>
+        </p:cxnSp>
+        <p:sp>
+          <p:nvSpPr>
+            <p:cNvPr id="24" name="TextBox 23">
+              <a:extLst>
+                <a:ext uri="{FF2B5EF4-FFF2-40B4-BE49-F238E27FC236}">
+                  <a16:creationId xmlns:a16="http://schemas.microsoft.com/office/drawing/2014/main" id="{511CD110-EB6D-4307-843D-E1FAD78D5086}"/>
+                </a:ext>
+              </a:extLst>
+            </p:cNvPr>
+            <p:cNvSpPr txBox="1"/>
+            <p:nvPr/>
+          </p:nvSpPr>
+          <p:spPr>
+            <a:xfrm>
+              <a:off x="4814437" y="2902884"/>
+              <a:ext cx="1957587" cy="369332"/>
+            </a:xfrm>
+            <a:prstGeom prst="rect">
+              <a:avLst/>
+            </a:prstGeom>
+            <a:noFill/>
+          </p:spPr>
+          <p:txBody>
+            <a:bodyPr wrap="none" rtlCol="0">
+              <a:spAutoFit/>
+            </a:bodyPr>
+            <a:lstStyle/>
+            <a:p>
+              <a:r>
+                <a:rPr lang="en-US" b="1" dirty="0">
+                  <a:solidFill>
+                    <a:srgbClr val="0000FF"/>
+                  </a:solidFill>
+                  <a:latin typeface="Consolas" panose="020B0609020204030204" pitchFamily="49" charset="0"/>
+                </a:rPr>
+                <a:t>3.Docker Image</a:t>
+              </a:r>
+            </a:p>
+          </p:txBody>
+        </p:sp>
+        <p:cxnSp>
+          <p:nvCxnSpPr>
+            <p:cNvPr id="25" name="Straight Arrow Connector 24">
+              <a:extLst>
+                <a:ext uri="{FF2B5EF4-FFF2-40B4-BE49-F238E27FC236}">
+                  <a16:creationId xmlns:a16="http://schemas.microsoft.com/office/drawing/2014/main" id="{7061E419-4CB0-42C6-BAD0-E8127915F61F}"/>
+                </a:ext>
+              </a:extLst>
+            </p:cNvPr>
+            <p:cNvCxnSpPr>
+              <a:cxnSpLocks/>
+            </p:cNvCxnSpPr>
+            <p:nvPr/>
+          </p:nvCxnSpPr>
+          <p:spPr>
+            <a:xfrm flipV="1">
+              <a:off x="7516765" y="1043609"/>
+              <a:ext cx="2110601" cy="1954475"/>
+            </a:xfrm>
+            <a:prstGeom prst="straightConnector1">
+              <a:avLst/>
+            </a:prstGeom>
+            <a:ln w="57150">
+              <a:solidFill>
+                <a:srgbClr val="00B050"/>
+              </a:solidFill>
+              <a:tailEnd type="triangle"/>
+            </a:ln>
+          </p:spPr>
+          <p:style>
+            <a:lnRef idx="3">
+              <a:schemeClr val="accent2"/>
+            </a:lnRef>
+            <a:fillRef idx="0">
+              <a:schemeClr val="accent2"/>
+            </a:fillRef>
+            <a:effectRef idx="2">
+              <a:schemeClr val="accent2"/>
+            </a:effectRef>
+            <a:fontRef idx="minor">
+              <a:schemeClr val="tx1"/>
+            </a:fontRef>
+          </p:style>
+        </p:cxnSp>
+        <p:sp>
+          <p:nvSpPr>
+            <p:cNvPr id="26" name="TextBox 25">
+              <a:extLst>
+                <a:ext uri="{FF2B5EF4-FFF2-40B4-BE49-F238E27FC236}">
+                  <a16:creationId xmlns:a16="http://schemas.microsoft.com/office/drawing/2014/main" id="{5BE217A5-8DDD-44B0-90BA-018265AF072C}"/>
+                </a:ext>
+              </a:extLst>
+            </p:cNvPr>
+            <p:cNvSpPr txBox="1"/>
+            <p:nvPr/>
+          </p:nvSpPr>
+          <p:spPr>
+            <a:xfrm rot="19030971">
+              <a:off x="6929566" y="1647424"/>
+              <a:ext cx="2844048" cy="369332"/>
+            </a:xfrm>
+            <a:prstGeom prst="rect">
+              <a:avLst/>
+            </a:prstGeom>
+            <a:noFill/>
+          </p:spPr>
+          <p:txBody>
+            <a:bodyPr wrap="none" rtlCol="0">
+              <a:spAutoFit/>
+            </a:bodyPr>
+            <a:lstStyle/>
+            <a:p>
+              <a:r>
+                <a:rPr lang="en-US" b="1" dirty="0">
+                  <a:solidFill>
+                    <a:srgbClr val="0000FF"/>
+                  </a:solidFill>
+                  <a:latin typeface="Consolas" panose="020B0609020204030204" pitchFamily="49" charset="0"/>
+                </a:rPr>
+                <a:t>4.Push to artifactory</a:t>
+              </a:r>
+            </a:p>
+          </p:txBody>
+        </p:sp>
+        <p:cxnSp>
+          <p:nvCxnSpPr>
+            <p:cNvPr id="29" name="Straight Arrow Connector 28">
+              <a:extLst>
+                <a:ext uri="{FF2B5EF4-FFF2-40B4-BE49-F238E27FC236}">
+                  <a16:creationId xmlns:a16="http://schemas.microsoft.com/office/drawing/2014/main" id="{3886078C-51FA-44D8-8189-5E54BED5E07D}"/>
+                </a:ext>
+              </a:extLst>
+            </p:cNvPr>
+            <p:cNvCxnSpPr>
+              <a:cxnSpLocks/>
+            </p:cNvCxnSpPr>
+            <p:nvPr/>
+          </p:nvCxnSpPr>
+          <p:spPr>
+            <a:xfrm>
+              <a:off x="10506206" y="1765734"/>
+              <a:ext cx="0" cy="662875"/>
+            </a:xfrm>
+            <a:prstGeom prst="straightConnector1">
+              <a:avLst/>
+            </a:prstGeom>
+            <a:ln w="57150">
+              <a:solidFill>
+                <a:srgbClr val="00B050"/>
+              </a:solidFill>
+              <a:tailEnd type="triangle"/>
+            </a:ln>
+          </p:spPr>
+          <p:style>
+            <a:lnRef idx="3">
+              <a:schemeClr val="accent2"/>
+            </a:lnRef>
+            <a:fillRef idx="0">
+              <a:schemeClr val="accent2"/>
+            </a:fillRef>
+            <a:effectRef idx="2">
+              <a:schemeClr val="accent2"/>
+            </a:effectRef>
+            <a:fontRef idx="minor">
+              <a:schemeClr val="tx1"/>
+            </a:fontRef>
+          </p:style>
+        </p:cxnSp>
+        <p:sp>
+          <p:nvSpPr>
+            <p:cNvPr id="31" name="TextBox 30">
+              <a:extLst>
+                <a:ext uri="{FF2B5EF4-FFF2-40B4-BE49-F238E27FC236}">
+                  <a16:creationId xmlns:a16="http://schemas.microsoft.com/office/drawing/2014/main" id="{6CB1035D-BA33-472B-84C8-9DB3A80A4E5A}"/>
+                </a:ext>
+              </a:extLst>
+            </p:cNvPr>
+            <p:cNvSpPr txBox="1"/>
+            <p:nvPr/>
+          </p:nvSpPr>
+          <p:spPr>
+            <a:xfrm>
+              <a:off x="10506205" y="1915639"/>
+              <a:ext cx="1704313" cy="369332"/>
+            </a:xfrm>
+            <a:prstGeom prst="rect">
+              <a:avLst/>
+            </a:prstGeom>
+            <a:noFill/>
+          </p:spPr>
+          <p:txBody>
+            <a:bodyPr wrap="none" rtlCol="0">
+              <a:spAutoFit/>
+            </a:bodyPr>
+            <a:lstStyle/>
+            <a:p>
+              <a:r>
+                <a:rPr lang="en-US" b="1" dirty="0">
+                  <a:solidFill>
+                    <a:srgbClr val="0000FF"/>
+                  </a:solidFill>
+                  <a:latin typeface="Consolas" panose="020B0609020204030204" pitchFamily="49" charset="0"/>
+                </a:rPr>
+                <a:t>5.Pull Image</a:t>
+              </a:r>
+            </a:p>
+          </p:txBody>
+        </p:sp>
+        <p:sp>
+          <p:nvSpPr>
+            <p:cNvPr id="32" name="TextBox 31">
+              <a:extLst>
+                <a:ext uri="{FF2B5EF4-FFF2-40B4-BE49-F238E27FC236}">
+                  <a16:creationId xmlns:a16="http://schemas.microsoft.com/office/drawing/2014/main" id="{659B3BCF-BB6C-4617-B074-325CB1429669}"/>
+                </a:ext>
+              </a:extLst>
+            </p:cNvPr>
+            <p:cNvSpPr txBox="1"/>
+            <p:nvPr/>
+          </p:nvSpPr>
+          <p:spPr>
+            <a:xfrm>
+              <a:off x="8814364" y="4188592"/>
+              <a:ext cx="3730508" cy="369332"/>
+            </a:xfrm>
+            <a:prstGeom prst="rect">
+              <a:avLst/>
+            </a:prstGeom>
+            <a:solidFill>
+              <a:srgbClr val="FF0000"/>
+            </a:solidFill>
+          </p:spPr>
+          <p:txBody>
+            <a:bodyPr wrap="none" rtlCol="0">
+              <a:spAutoFit/>
+            </a:bodyPr>
+            <a:lstStyle/>
+            <a:p>
+              <a:r>
+                <a:rPr lang="en-US" b="1" dirty="0">
+                  <a:solidFill>
+                    <a:schemeClr val="bg1"/>
+                  </a:solidFill>
+                  <a:latin typeface="Consolas" panose="020B0609020204030204" pitchFamily="49" charset="0"/>
+                </a:rPr>
+                <a:t>6.Deploy to multiple Servers</a:t>
+              </a:r>
             </a:p>
           </p:txBody>
         </p:sp>
@@ -3460,7 +4382,7 @@
     </p:spTree>
     <p:extLst>
       <p:ext uri="{BB962C8B-B14F-4D97-AF65-F5344CB8AC3E}">
-        <p14:creationId xmlns:p14="http://schemas.microsoft.com/office/powerpoint/2010/main" val="2847768851"/>
+        <p14:creationId xmlns:p14="http://schemas.microsoft.com/office/powerpoint/2010/main" val="4085444556"/>
       </p:ext>
     </p:extLst>
   </p:cSld>
@@ -3487,90 +4409,38 @@
           <a:chExt cx="0" cy="0"/>
         </a:xfrm>
       </p:grpSpPr>
-      <p:sp>
-        <p:nvSpPr>
-          <p:cNvPr id="4" name="Rectangle 3">
-            <a:extLst>
-              <a:ext uri="{FF2B5EF4-FFF2-40B4-BE49-F238E27FC236}">
-                <a16:creationId xmlns:a16="http://schemas.microsoft.com/office/drawing/2014/main" id="{6E76A34C-5EBD-4968-A4B3-E22A59CCFA19}"/>
-              </a:ext>
-            </a:extLst>
-          </p:cNvPr>
-          <p:cNvSpPr/>
+      <p:pic>
+        <p:nvPicPr>
+          <p:cNvPr id="5" name="Picture 4">
+            <a:extLst>
+              <a:ext uri="{FF2B5EF4-FFF2-40B4-BE49-F238E27FC236}">
+                <a16:creationId xmlns:a16="http://schemas.microsoft.com/office/drawing/2014/main" id="{2502BD75-95BE-426A-A32C-AE20BA376384}"/>
+              </a:ext>
+            </a:extLst>
+          </p:cNvPr>
+          <p:cNvPicPr/>
           <p:nvPr/>
-        </p:nvSpPr>
+        </p:nvPicPr>
+        <p:blipFill>
+          <a:blip r:embed="rId2"/>
+          <a:stretch>
+            <a:fillRect/>
+          </a:stretch>
+        </p:blipFill>
         <p:spPr>
           <a:xfrm>
-            <a:off x="2597465" y="1662410"/>
-            <a:ext cx="1872628" cy="3770263"/>
+            <a:off x="0" y="0"/>
+            <a:ext cx="12263120" cy="6858000"/>
           </a:xfrm>
           <a:prstGeom prst="rect">
             <a:avLst/>
           </a:prstGeom>
-          <a:noFill/>
         </p:spPr>
-        <p:txBody>
-          <a:bodyPr wrap="none" lIns="91440" tIns="45720" rIns="91440" bIns="45720">
-            <a:spAutoFit/>
-          </a:bodyPr>
-          <a:lstStyle/>
-          <a:p>
-            <a:pPr algn="ctr"/>
-            <a:r>
-              <a:rPr lang="en-US" sz="11500" b="1" cap="none" spc="0" dirty="0">
-                <a:ln w="0"/>
-                <a:solidFill>
-                  <a:schemeClr val="tx1"/>
-                </a:solidFill>
-                <a:effectLst>
-                  <a:outerShdw blurRad="38100" dist="19050" dir="2700000" algn="tl" rotWithShape="0">
-                    <a:schemeClr val="dk1">
-                      <a:alpha val="40000"/>
-                    </a:schemeClr>
-                  </a:outerShdw>
-                </a:effectLst>
-                <a:latin typeface="Rage Italic" panose="03070502040507070304" pitchFamily="66" charset="0"/>
-              </a:rPr>
-              <a:t>S</a:t>
-            </a:r>
-            <a:r>
-              <a:rPr lang="en-US" sz="23900" b="1" cap="none" spc="0" dirty="0">
-                <a:ln w="0"/>
-                <a:solidFill>
-                  <a:srgbClr val="FF0000"/>
-                </a:solidFill>
-                <a:effectLst>
-                  <a:outerShdw blurRad="38100" dist="19050" dir="2700000" algn="tl" rotWithShape="0">
-                    <a:schemeClr val="dk1">
-                      <a:alpha val="40000"/>
-                    </a:schemeClr>
-                  </a:outerShdw>
-                </a:effectLst>
-                <a:latin typeface="Rage Italic" panose="03070502040507070304" pitchFamily="66" charset="0"/>
-              </a:rPr>
-              <a:t>.</a:t>
-            </a:r>
-            <a:endParaRPr lang="en-US" sz="11500" b="1" cap="none" spc="0" dirty="0">
-              <a:ln w="0"/>
-              <a:solidFill>
-                <a:srgbClr val="FF0000"/>
-              </a:solidFill>
-              <a:effectLst>
-                <a:outerShdw blurRad="38100" dist="19050" dir="2700000" algn="tl" rotWithShape="0">
-                  <a:schemeClr val="dk1">
-                    <a:alpha val="40000"/>
-                  </a:schemeClr>
-                </a:outerShdw>
-              </a:effectLst>
-              <a:latin typeface="Rage Italic" panose="03070502040507070304" pitchFamily="66" charset="0"/>
-            </a:endParaRPr>
-          </a:p>
-        </p:txBody>
-      </p:sp>
+      </p:pic>
     </p:spTree>
     <p:extLst>
       <p:ext uri="{BB962C8B-B14F-4D97-AF65-F5344CB8AC3E}">
-        <p14:creationId xmlns:p14="http://schemas.microsoft.com/office/powerpoint/2010/main" val="1967502171"/>
+        <p14:creationId xmlns:p14="http://schemas.microsoft.com/office/powerpoint/2010/main" val="1427528390"/>
       </p:ext>
     </p:extLst>
   </p:cSld>
